--- a/Presentation-Gomoku.pptx
+++ b/Presentation-Gomoku.pptx
@@ -8,6 +8,19 @@
     <p:sldId id="256" r:id="rId2"/>
     <p:sldId id="258" r:id="rId3"/>
     <p:sldId id="257" r:id="rId4"/>
+    <p:sldId id="259" r:id="rId5"/>
+    <p:sldId id="269" r:id="rId6"/>
+    <p:sldId id="270" r:id="rId7"/>
+    <p:sldId id="271" r:id="rId8"/>
+    <p:sldId id="261" r:id="rId9"/>
+    <p:sldId id="260" r:id="rId10"/>
+    <p:sldId id="262" r:id="rId11"/>
+    <p:sldId id="263" r:id="rId12"/>
+    <p:sldId id="264" r:id="rId13"/>
+    <p:sldId id="265" r:id="rId14"/>
+    <p:sldId id="266" r:id="rId15"/>
+    <p:sldId id="267" r:id="rId16"/>
+    <p:sldId id="268" r:id="rId17"/>
   </p:sldIdLst>
   <p:sldSz cx="12192000" cy="6858000"/>
   <p:notesSz cx="6858000" cy="9144000"/>
@@ -106,6 +119,11 @@
       </a:defRPr>
     </a:lvl9pPr>
   </p:defaultTextStyle>
+  <p:extLst>
+    <p:ext uri="{EFAFB233-063F-42B5-8137-9DF3F51BA10A}">
+      <p15:sldGuideLst xmlns:p15="http://schemas.microsoft.com/office/powerpoint/2012/main"/>
+    </p:ext>
+  </p:extLst>
 </p:presentation>
 </file>
 
@@ -279,7 +297,7 @@
           <a:p>
             <a:fld id="{48A87A34-81AB-432B-8DAE-1953F412C126}" type="datetimeFigureOut">
               <a:rPr lang="en-US" dirty="0"/>
-              <a:t>6/6/19</a:t>
+              <a:t>6/8/2019</a:t>
             </a:fld>
             <a:endParaRPr lang="en-US" dirty="0"/>
           </a:p>
@@ -541,7 +559,7 @@
           <a:p>
             <a:fld id="{48A87A34-81AB-432B-8DAE-1953F412C126}" type="datetimeFigureOut">
               <a:rPr lang="en-US" dirty="0"/>
-              <a:t>6/6/19</a:t>
+              <a:t>6/8/2019</a:t>
             </a:fld>
             <a:endParaRPr lang="en-US" dirty="0"/>
           </a:p>
@@ -768,7 +786,7 @@
             <a:fld id="{48A87A34-81AB-432B-8DAE-1953F412C126}" type="datetimeFigureOut">
               <a:rPr lang="en-US" dirty="0"/>
               <a:pPr/>
-              <a:t>6/6/19</a:t>
+              <a:t>6/8/2019</a:t>
             </a:fld>
             <a:endParaRPr lang="en-US" dirty="0"/>
           </a:p>
@@ -1074,7 +1092,7 @@
             <a:fld id="{48A87A34-81AB-432B-8DAE-1953F412C126}" type="datetimeFigureOut">
               <a:rPr lang="en-US" dirty="0"/>
               <a:pPr/>
-              <a:t>6/6/19</a:t>
+              <a:t>6/8/2019</a:t>
             </a:fld>
             <a:endParaRPr lang="en-US" dirty="0"/>
           </a:p>
@@ -1543,7 +1561,7 @@
             <a:fld id="{48A87A34-81AB-432B-8DAE-1953F412C126}" type="datetimeFigureOut">
               <a:rPr lang="en-US" dirty="0"/>
               <a:pPr/>
-              <a:t>6/6/19</a:t>
+              <a:t>6/8/2019</a:t>
             </a:fld>
             <a:endParaRPr lang="en-US" dirty="0"/>
           </a:p>
@@ -2085,7 +2103,7 @@
           <a:p>
             <a:fld id="{48A87A34-81AB-432B-8DAE-1953F412C126}" type="datetimeFigureOut">
               <a:rPr lang="en-US" dirty="0"/>
-              <a:t>6/6/19</a:t>
+              <a:t>6/8/2019</a:t>
             </a:fld>
             <a:endParaRPr lang="en-US" dirty="0"/>
           </a:p>
@@ -2854,7 +2872,7 @@
           <a:p>
             <a:fld id="{48A87A34-81AB-432B-8DAE-1953F412C126}" type="datetimeFigureOut">
               <a:rPr lang="en-US" dirty="0"/>
-              <a:t>6/6/19</a:t>
+              <a:t>6/8/2019</a:t>
             </a:fld>
             <a:endParaRPr lang="en-US" dirty="0"/>
           </a:p>
@@ -3024,7 +3042,7 @@
           <a:p>
             <a:fld id="{48A87A34-81AB-432B-8DAE-1953F412C126}" type="datetimeFigureOut">
               <a:rPr lang="en-US" dirty="0"/>
-              <a:t>6/6/19</a:t>
+              <a:t>6/8/2019</a:t>
             </a:fld>
             <a:endParaRPr lang="en-US" dirty="0"/>
           </a:p>
@@ -3243,7 +3261,7 @@
             <a:fld id="{48A87A34-81AB-432B-8DAE-1953F412C126}" type="datetimeFigureOut">
               <a:rPr lang="en-US" dirty="0"/>
               <a:pPr/>
-              <a:t>6/6/19</a:t>
+              <a:t>6/8/2019</a:t>
             </a:fld>
             <a:endParaRPr lang="en-US" dirty="0"/>
           </a:p>
@@ -3418,7 +3436,7 @@
           <a:p>
             <a:fld id="{48A87A34-81AB-432B-8DAE-1953F412C126}" type="datetimeFigureOut">
               <a:rPr lang="en-US" dirty="0"/>
-              <a:t>6/6/19</a:t>
+              <a:t>6/8/2019</a:t>
             </a:fld>
             <a:endParaRPr lang="en-US" dirty="0"/>
           </a:p>
@@ -3703,7 +3721,7 @@
             <a:fld id="{48A87A34-81AB-432B-8DAE-1953F412C126}" type="datetimeFigureOut">
               <a:rPr lang="en-US" dirty="0"/>
               <a:pPr/>
-              <a:t>6/6/19</a:t>
+              <a:t>6/8/2019</a:t>
             </a:fld>
             <a:endParaRPr lang="en-US" dirty="0"/>
           </a:p>
@@ -3940,7 +3958,7 @@
           <a:p>
             <a:fld id="{48A87A34-81AB-432B-8DAE-1953F412C126}" type="datetimeFigureOut">
               <a:rPr lang="en-US" dirty="0"/>
-              <a:t>6/6/19</a:t>
+              <a:t>6/8/2019</a:t>
             </a:fld>
             <a:endParaRPr lang="en-US" dirty="0"/>
           </a:p>
@@ -4314,7 +4332,7 @@
           <a:p>
             <a:fld id="{48A87A34-81AB-432B-8DAE-1953F412C126}" type="datetimeFigureOut">
               <a:rPr lang="en-US" dirty="0"/>
-              <a:t>6/6/19</a:t>
+              <a:t>6/8/2019</a:t>
             </a:fld>
             <a:endParaRPr lang="en-US" dirty="0"/>
           </a:p>
@@ -4427,7 +4445,7 @@
           <a:p>
             <a:fld id="{48A87A34-81AB-432B-8DAE-1953F412C126}" type="datetimeFigureOut">
               <a:rPr lang="en-US" dirty="0"/>
-              <a:t>6/6/19</a:t>
+              <a:t>6/8/2019</a:t>
             </a:fld>
             <a:endParaRPr lang="en-US" dirty="0"/>
           </a:p>
@@ -4517,7 +4535,7 @@
           <a:p>
             <a:fld id="{48A87A34-81AB-432B-8DAE-1953F412C126}" type="datetimeFigureOut">
               <a:rPr lang="en-US" dirty="0"/>
-              <a:t>6/6/19</a:t>
+              <a:t>6/8/2019</a:t>
             </a:fld>
             <a:endParaRPr lang="en-US" dirty="0"/>
           </a:p>
@@ -4761,7 +4779,7 @@
           <a:p>
             <a:fld id="{48A87A34-81AB-432B-8DAE-1953F412C126}" type="datetimeFigureOut">
               <a:rPr lang="en-US" dirty="0"/>
-              <a:t>6/6/19</a:t>
+              <a:t>6/8/2019</a:t>
             </a:fld>
             <a:endParaRPr lang="en-US" dirty="0"/>
           </a:p>
@@ -5013,7 +5031,7 @@
           <a:p>
             <a:fld id="{48A87A34-81AB-432B-8DAE-1953F412C126}" type="datetimeFigureOut">
               <a:rPr lang="en-US" dirty="0"/>
-              <a:t>6/6/19</a:t>
+              <a:t>6/8/2019</a:t>
             </a:fld>
             <a:endParaRPr lang="en-US" dirty="0"/>
           </a:p>
@@ -5252,7 +5270,7 @@
             <a:fld id="{48A87A34-81AB-432B-8DAE-1953F412C126}" type="datetimeFigureOut">
               <a:rPr lang="en-US" dirty="0"/>
               <a:pPr/>
-              <a:t>6/6/19</a:t>
+              <a:t>6/8/2019</a:t>
             </a:fld>
             <a:endParaRPr lang="en-US" dirty="0"/>
           </a:p>
@@ -5857,22 +5875,16 @@
           </a:p>
           <a:p>
             <a:r>
+              <a:rPr lang="de-DE" sz="2800" dirty="0">
+                <a:latin typeface="Garamond" panose="02020404030301010803" pitchFamily="18" charset="0"/>
+              </a:rPr>
+              <a:t>Simen </a:t>
+            </a:r>
+            <a:r>
               <a:rPr lang="de-DE" sz="2800" dirty="0" err="1">
                 <a:latin typeface="Garamond" panose="02020404030301010803" pitchFamily="18" charset="0"/>
               </a:rPr>
-              <a:t>Piran</a:t>
-            </a:r>
-            <a:r>
-              <a:rPr lang="de-DE" sz="2800" dirty="0">
-                <a:latin typeface="Garamond" panose="02020404030301010803" pitchFamily="18" charset="0"/>
-              </a:rPr>
-              <a:t> </a:t>
-            </a:r>
-            <a:r>
-              <a:rPr lang="de-DE" sz="2800" dirty="0" err="1">
-                <a:latin typeface="Garamond" panose="02020404030301010803" pitchFamily="18" charset="0"/>
-              </a:rPr>
-              <a:t>Caci</a:t>
+              <a:t>Svedrup-Thygeson</a:t>
             </a:r>
             <a:endParaRPr lang="de-DE" sz="2800" dirty="0">
               <a:latin typeface="Garamond" panose="02020404030301010803" pitchFamily="18" charset="0"/>
@@ -5880,16 +5892,22 @@
           </a:p>
           <a:p>
             <a:r>
+              <a:rPr lang="de-DE" sz="2800" dirty="0" err="1">
+                <a:latin typeface="Garamond" panose="02020404030301010803" pitchFamily="18" charset="0"/>
+              </a:rPr>
+              <a:t>Piran</a:t>
+            </a:r>
+            <a:r>
               <a:rPr lang="de-DE" sz="2800" dirty="0">
                 <a:latin typeface="Garamond" panose="02020404030301010803" pitchFamily="18" charset="0"/>
               </a:rPr>
-              <a:t>Simen </a:t>
+              <a:t> </a:t>
             </a:r>
             <a:r>
               <a:rPr lang="de-DE" sz="2800" dirty="0" err="1">
                 <a:latin typeface="Garamond" panose="02020404030301010803" pitchFamily="18" charset="0"/>
               </a:rPr>
-              <a:t>Svedrup-Thygolsen</a:t>
+              <a:t>Caci</a:t>
             </a:r>
             <a:endParaRPr lang="de-DE" sz="2800" dirty="0">
               <a:latin typeface="Garamond" panose="02020404030301010803" pitchFamily="18" charset="0"/>
@@ -5915,6 +5933,1501 @@
     <p:extLst>
       <p:ext uri="{BB962C8B-B14F-4D97-AF65-F5344CB8AC3E}">
         <p14:creationId xmlns:p14="http://schemas.microsoft.com/office/powerpoint/2010/main" val="1342409504"/>
+      </p:ext>
+    </p:extLst>
+  </p:cSld>
+  <p:clrMapOvr>
+    <a:masterClrMapping/>
+  </p:clrMapOvr>
+</p:sld>
+</file>
+
+<file path=ppt/slides/slide10.xml><?xml version="1.0" encoding="utf-8"?>
+<p:sld xmlns:a="http://schemas.openxmlformats.org/drawingml/2006/main" xmlns:r="http://schemas.openxmlformats.org/officeDocument/2006/relationships" xmlns:p="http://schemas.openxmlformats.org/presentationml/2006/main">
+  <p:cSld>
+    <p:spTree>
+      <p:nvGrpSpPr>
+        <p:cNvPr id="1" name=""/>
+        <p:cNvGrpSpPr/>
+        <p:nvPr/>
+      </p:nvGrpSpPr>
+      <p:grpSpPr>
+        <a:xfrm>
+          <a:off x="0" y="0"/>
+          <a:ext cx="0" cy="0"/>
+          <a:chOff x="0" y="0"/>
+          <a:chExt cx="0" cy="0"/>
+        </a:xfrm>
+      </p:grpSpPr>
+      <p:sp>
+        <p:nvSpPr>
+          <p:cNvPr id="2" name="Tittel 1">
+            <a:extLst>
+              <a:ext uri="{FF2B5EF4-FFF2-40B4-BE49-F238E27FC236}">
+                <a16:creationId xmlns:a16="http://schemas.microsoft.com/office/drawing/2014/main" id="{FD45CE08-B758-4DDB-A9BC-95FFF34B9600}"/>
+              </a:ext>
+            </a:extLst>
+          </p:cNvPr>
+          <p:cNvSpPr>
+            <a:spLocks noGrp="1"/>
+          </p:cNvSpPr>
+          <p:nvPr>
+            <p:ph type="title"/>
+          </p:nvPr>
+        </p:nvSpPr>
+        <p:spPr>
+          <a:xfrm>
+            <a:off x="2895600" y="354798"/>
+            <a:ext cx="8610600" cy="1293028"/>
+          </a:xfrm>
+        </p:spPr>
+        <p:txBody>
+          <a:bodyPr/>
+          <a:lstStyle/>
+          <a:p>
+            <a:r>
+              <a:rPr lang="en-GB" dirty="0"/>
+              <a:t>Move class</a:t>
+            </a:r>
+          </a:p>
+        </p:txBody>
+      </p:sp>
+      <p:pic>
+        <p:nvPicPr>
+          <p:cNvPr id="6" name="Plassholder for innhold 5">
+            <a:extLst>
+              <a:ext uri="{FF2B5EF4-FFF2-40B4-BE49-F238E27FC236}">
+                <a16:creationId xmlns:a16="http://schemas.microsoft.com/office/drawing/2014/main" id="{6EBD19B3-194B-4240-9B80-449CE34FD53E}"/>
+              </a:ext>
+            </a:extLst>
+          </p:cNvPr>
+          <p:cNvPicPr>
+            <a:picLocks noGrp="1" noChangeAspect="1"/>
+          </p:cNvPicPr>
+          <p:nvPr>
+            <p:ph idx="1"/>
+          </p:nvPr>
+        </p:nvPicPr>
+        <p:blipFill rotWithShape="1">
+          <a:blip r:embed="rId2"/>
+          <a:srcRect b="20244"/>
+          <a:stretch/>
+        </p:blipFill>
+        <p:spPr>
+          <a:xfrm>
+            <a:off x="7097769" y="4087541"/>
+            <a:ext cx="4032983" cy="2702726"/>
+          </a:xfrm>
+          <a:prstGeom prst="rect">
+            <a:avLst/>
+          </a:prstGeom>
+        </p:spPr>
+      </p:pic>
+      <p:pic>
+        <p:nvPicPr>
+          <p:cNvPr id="4" name="Bilde 3">
+            <a:extLst>
+              <a:ext uri="{FF2B5EF4-FFF2-40B4-BE49-F238E27FC236}">
+                <a16:creationId xmlns:a16="http://schemas.microsoft.com/office/drawing/2014/main" id="{E5A65D30-DF48-4E5A-AB38-CEA37484282D}"/>
+              </a:ext>
+            </a:extLst>
+          </p:cNvPr>
+          <p:cNvPicPr>
+            <a:picLocks noChangeAspect="1"/>
+          </p:cNvPicPr>
+          <p:nvPr/>
+        </p:nvPicPr>
+        <p:blipFill rotWithShape="1">
+          <a:blip r:embed="rId3"/>
+          <a:srcRect l="906"/>
+          <a:stretch/>
+        </p:blipFill>
+        <p:spPr>
+          <a:xfrm>
+            <a:off x="180975" y="1487813"/>
+            <a:ext cx="6411969" cy="3882374"/>
+          </a:xfrm>
+          <a:prstGeom prst="rect">
+            <a:avLst/>
+          </a:prstGeom>
+        </p:spPr>
+      </p:pic>
+      <p:pic>
+        <p:nvPicPr>
+          <p:cNvPr id="5" name="Bilde 4">
+            <a:extLst>
+              <a:ext uri="{FF2B5EF4-FFF2-40B4-BE49-F238E27FC236}">
+                <a16:creationId xmlns:a16="http://schemas.microsoft.com/office/drawing/2014/main" id="{5F84D43E-4612-4CF0-B77E-1E864EC8C2E2}"/>
+              </a:ext>
+            </a:extLst>
+          </p:cNvPr>
+          <p:cNvPicPr>
+            <a:picLocks noChangeAspect="1"/>
+          </p:cNvPicPr>
+          <p:nvPr/>
+        </p:nvPicPr>
+        <p:blipFill>
+          <a:blip r:embed="rId4"/>
+          <a:stretch>
+            <a:fillRect/>
+          </a:stretch>
+        </p:blipFill>
+        <p:spPr>
+          <a:xfrm>
+            <a:off x="7097769" y="1487813"/>
+            <a:ext cx="4913256" cy="2526498"/>
+          </a:xfrm>
+          <a:prstGeom prst="rect">
+            <a:avLst/>
+          </a:prstGeom>
+        </p:spPr>
+      </p:pic>
+      <p:sp>
+        <p:nvSpPr>
+          <p:cNvPr id="7" name="TekstSylinder 6">
+            <a:extLst>
+              <a:ext uri="{FF2B5EF4-FFF2-40B4-BE49-F238E27FC236}">
+                <a16:creationId xmlns:a16="http://schemas.microsoft.com/office/drawing/2014/main" id="{8B3737D2-6CB8-4DD2-9A33-1F7057A79491}"/>
+              </a:ext>
+            </a:extLst>
+          </p:cNvPr>
+          <p:cNvSpPr txBox="1"/>
+          <p:nvPr/>
+        </p:nvSpPr>
+        <p:spPr>
+          <a:xfrm>
+            <a:off x="319087" y="5657671"/>
+            <a:ext cx="4886325" cy="1200329"/>
+          </a:xfrm>
+          <a:prstGeom prst="rect">
+            <a:avLst/>
+          </a:prstGeom>
+          <a:noFill/>
+        </p:spPr>
+        <p:txBody>
+          <a:bodyPr wrap="square" rtlCol="0">
+            <a:spAutoFit/>
+          </a:bodyPr>
+          <a:lstStyle/>
+          <a:p>
+            <a:pPr marL="285750" indent="-285750">
+              <a:buFontTx/>
+              <a:buChar char="-"/>
+            </a:pPr>
+            <a:r>
+              <a:rPr lang="en-GB" dirty="0"/>
+              <a:t>Checks whether a given move is legal and if it results in winning the game</a:t>
+            </a:r>
+          </a:p>
+          <a:p>
+            <a:pPr marL="285750" indent="-285750">
+              <a:buFontTx/>
+              <a:buChar char="-"/>
+            </a:pPr>
+            <a:endParaRPr lang="en-GB" dirty="0"/>
+          </a:p>
+          <a:p>
+            <a:pPr marL="285750" indent="-285750">
+              <a:buFontTx/>
+              <a:buChar char="-"/>
+            </a:pPr>
+            <a:endParaRPr lang="en-GB" dirty="0"/>
+          </a:p>
+        </p:txBody>
+      </p:sp>
+    </p:spTree>
+    <p:extLst>
+      <p:ext uri="{BB962C8B-B14F-4D97-AF65-F5344CB8AC3E}">
+        <p14:creationId xmlns:p14="http://schemas.microsoft.com/office/powerpoint/2010/main" val="1032052126"/>
+      </p:ext>
+    </p:extLst>
+  </p:cSld>
+  <p:clrMapOvr>
+    <a:masterClrMapping/>
+  </p:clrMapOvr>
+</p:sld>
+</file>
+
+<file path=ppt/slides/slide11.xml><?xml version="1.0" encoding="utf-8"?>
+<p:sld xmlns:a="http://schemas.openxmlformats.org/drawingml/2006/main" xmlns:r="http://schemas.openxmlformats.org/officeDocument/2006/relationships" xmlns:p="http://schemas.openxmlformats.org/presentationml/2006/main">
+  <p:cSld>
+    <p:spTree>
+      <p:nvGrpSpPr>
+        <p:cNvPr id="1" name=""/>
+        <p:cNvGrpSpPr/>
+        <p:nvPr/>
+      </p:nvGrpSpPr>
+      <p:grpSpPr>
+        <a:xfrm>
+          <a:off x="0" y="0"/>
+          <a:ext cx="0" cy="0"/>
+          <a:chOff x="0" y="0"/>
+          <a:chExt cx="0" cy="0"/>
+        </a:xfrm>
+      </p:grpSpPr>
+      <p:sp>
+        <p:nvSpPr>
+          <p:cNvPr id="2" name="Tittel 1">
+            <a:extLst>
+              <a:ext uri="{FF2B5EF4-FFF2-40B4-BE49-F238E27FC236}">
+                <a16:creationId xmlns:a16="http://schemas.microsoft.com/office/drawing/2014/main" id="{F002D872-FB0F-4DB3-9C26-13A35CECD949}"/>
+              </a:ext>
+            </a:extLst>
+          </p:cNvPr>
+          <p:cNvSpPr>
+            <a:spLocks noGrp="1"/>
+          </p:cNvSpPr>
+          <p:nvPr>
+            <p:ph type="title"/>
+          </p:nvPr>
+        </p:nvSpPr>
+        <p:spPr/>
+        <p:txBody>
+          <a:bodyPr/>
+          <a:lstStyle/>
+          <a:p>
+            <a:r>
+              <a:rPr lang="en-GB" dirty="0"/>
+              <a:t>Ranking class</a:t>
+            </a:r>
+          </a:p>
+        </p:txBody>
+      </p:sp>
+      <p:pic>
+        <p:nvPicPr>
+          <p:cNvPr id="5" name="Plassholder for innhold 4">
+            <a:extLst>
+              <a:ext uri="{FF2B5EF4-FFF2-40B4-BE49-F238E27FC236}">
+                <a16:creationId xmlns:a16="http://schemas.microsoft.com/office/drawing/2014/main" id="{7C61A974-823D-45BD-8A4D-67B1CDB84784}"/>
+              </a:ext>
+            </a:extLst>
+          </p:cNvPr>
+          <p:cNvPicPr>
+            <a:picLocks noGrp="1" noChangeAspect="1"/>
+          </p:cNvPicPr>
+          <p:nvPr>
+            <p:ph idx="1"/>
+          </p:nvPr>
+        </p:nvPicPr>
+        <p:blipFill>
+          <a:blip r:embed="rId2"/>
+          <a:stretch>
+            <a:fillRect/>
+          </a:stretch>
+        </p:blipFill>
+        <p:spPr>
+          <a:xfrm>
+            <a:off x="5439256" y="1810233"/>
+            <a:ext cx="6691581" cy="2600902"/>
+          </a:xfrm>
+          <a:prstGeom prst="rect">
+            <a:avLst/>
+          </a:prstGeom>
+        </p:spPr>
+      </p:pic>
+      <p:pic>
+        <p:nvPicPr>
+          <p:cNvPr id="4" name="Bilde 3">
+            <a:extLst>
+              <a:ext uri="{FF2B5EF4-FFF2-40B4-BE49-F238E27FC236}">
+                <a16:creationId xmlns:a16="http://schemas.microsoft.com/office/drawing/2014/main" id="{E51BE132-74B5-44FE-B80F-3032AA3B5CCF}"/>
+              </a:ext>
+            </a:extLst>
+          </p:cNvPr>
+          <p:cNvPicPr>
+            <a:picLocks noChangeAspect="1"/>
+          </p:cNvPicPr>
+          <p:nvPr/>
+        </p:nvPicPr>
+        <p:blipFill>
+          <a:blip r:embed="rId3"/>
+          <a:stretch>
+            <a:fillRect/>
+          </a:stretch>
+        </p:blipFill>
+        <p:spPr>
+          <a:xfrm>
+            <a:off x="76200" y="1810233"/>
+            <a:ext cx="5221397" cy="2991907"/>
+          </a:xfrm>
+          <a:prstGeom prst="rect">
+            <a:avLst/>
+          </a:prstGeom>
+        </p:spPr>
+      </p:pic>
+      <p:pic>
+        <p:nvPicPr>
+          <p:cNvPr id="6" name="Bilde 5">
+            <a:extLst>
+              <a:ext uri="{FF2B5EF4-FFF2-40B4-BE49-F238E27FC236}">
+                <a16:creationId xmlns:a16="http://schemas.microsoft.com/office/drawing/2014/main" id="{964872B0-E470-4CE7-92B0-6C277B97B473}"/>
+              </a:ext>
+            </a:extLst>
+          </p:cNvPr>
+          <p:cNvPicPr>
+            <a:picLocks noChangeAspect="1"/>
+          </p:cNvPicPr>
+          <p:nvPr/>
+        </p:nvPicPr>
+        <p:blipFill>
+          <a:blip r:embed="rId4"/>
+          <a:stretch>
+            <a:fillRect/>
+          </a:stretch>
+        </p:blipFill>
+        <p:spPr>
+          <a:xfrm>
+            <a:off x="5439256" y="4538135"/>
+            <a:ext cx="6382231" cy="2142082"/>
+          </a:xfrm>
+          <a:prstGeom prst="rect">
+            <a:avLst/>
+          </a:prstGeom>
+        </p:spPr>
+      </p:pic>
+      <p:sp>
+        <p:nvSpPr>
+          <p:cNvPr id="7" name="TekstSylinder 6">
+            <a:extLst>
+              <a:ext uri="{FF2B5EF4-FFF2-40B4-BE49-F238E27FC236}">
+                <a16:creationId xmlns:a16="http://schemas.microsoft.com/office/drawing/2014/main" id="{19BB8B09-9338-41A3-B8C1-F95C57F32F0B}"/>
+              </a:ext>
+            </a:extLst>
+          </p:cNvPr>
+          <p:cNvSpPr txBox="1"/>
+          <p:nvPr/>
+        </p:nvSpPr>
+        <p:spPr>
+          <a:xfrm>
+            <a:off x="293207" y="5283199"/>
+            <a:ext cx="4702126" cy="646331"/>
+          </a:xfrm>
+          <a:prstGeom prst="rect">
+            <a:avLst/>
+          </a:prstGeom>
+          <a:noFill/>
+        </p:spPr>
+        <p:txBody>
+          <a:bodyPr wrap="square" rtlCol="0">
+            <a:spAutoFit/>
+          </a:bodyPr>
+          <a:lstStyle/>
+          <a:p>
+            <a:r>
+              <a:rPr lang="en-GB" dirty="0"/>
+              <a:t>- Keeps track of the game results </a:t>
+            </a:r>
+          </a:p>
+          <a:p>
+            <a:r>
+              <a:rPr lang="en-GB" dirty="0"/>
+              <a:t>in a non-volatile way</a:t>
+            </a:r>
+          </a:p>
+        </p:txBody>
+      </p:sp>
+    </p:spTree>
+    <p:extLst>
+      <p:ext uri="{BB962C8B-B14F-4D97-AF65-F5344CB8AC3E}">
+        <p14:creationId xmlns:p14="http://schemas.microsoft.com/office/powerpoint/2010/main" val="2024050026"/>
+      </p:ext>
+    </p:extLst>
+  </p:cSld>
+  <p:clrMapOvr>
+    <a:masterClrMapping/>
+  </p:clrMapOvr>
+</p:sld>
+</file>
+
+<file path=ppt/slides/slide12.xml><?xml version="1.0" encoding="utf-8"?>
+<p:sld xmlns:a="http://schemas.openxmlformats.org/drawingml/2006/main" xmlns:r="http://schemas.openxmlformats.org/officeDocument/2006/relationships" xmlns:p="http://schemas.openxmlformats.org/presentationml/2006/main">
+  <p:cSld>
+    <p:spTree>
+      <p:nvGrpSpPr>
+        <p:cNvPr id="1" name=""/>
+        <p:cNvGrpSpPr/>
+        <p:nvPr/>
+      </p:nvGrpSpPr>
+      <p:grpSpPr>
+        <a:xfrm>
+          <a:off x="0" y="0"/>
+          <a:ext cx="0" cy="0"/>
+          <a:chOff x="0" y="0"/>
+          <a:chExt cx="0" cy="0"/>
+        </a:xfrm>
+      </p:grpSpPr>
+      <p:sp>
+        <p:nvSpPr>
+          <p:cNvPr id="2" name="Tittel 1">
+            <a:extLst>
+              <a:ext uri="{FF2B5EF4-FFF2-40B4-BE49-F238E27FC236}">
+                <a16:creationId xmlns:a16="http://schemas.microsoft.com/office/drawing/2014/main" id="{1DC11B7B-F9CF-4C7E-B85F-8D1F1AAC69F2}"/>
+              </a:ext>
+            </a:extLst>
+          </p:cNvPr>
+          <p:cNvSpPr>
+            <a:spLocks noGrp="1"/>
+          </p:cNvSpPr>
+          <p:nvPr>
+            <p:ph type="title"/>
+          </p:nvPr>
+        </p:nvSpPr>
+        <p:spPr/>
+        <p:txBody>
+          <a:bodyPr/>
+          <a:lstStyle/>
+          <a:p>
+            <a:r>
+              <a:rPr lang="en-GB" dirty="0"/>
+              <a:t>Ai class</a:t>
+            </a:r>
+          </a:p>
+        </p:txBody>
+      </p:sp>
+      <p:pic>
+        <p:nvPicPr>
+          <p:cNvPr id="5" name="Plassholder for innhold 4">
+            <a:extLst>
+              <a:ext uri="{FF2B5EF4-FFF2-40B4-BE49-F238E27FC236}">
+                <a16:creationId xmlns:a16="http://schemas.microsoft.com/office/drawing/2014/main" id="{3ACAB1AC-4A69-4439-80D6-74EAAE108E89}"/>
+              </a:ext>
+            </a:extLst>
+          </p:cNvPr>
+          <p:cNvPicPr>
+            <a:picLocks noGrp="1" noChangeAspect="1"/>
+          </p:cNvPicPr>
+          <p:nvPr>
+            <p:ph idx="1"/>
+          </p:nvPr>
+        </p:nvPicPr>
+        <p:blipFill>
+          <a:blip r:embed="rId2"/>
+          <a:stretch>
+            <a:fillRect/>
+          </a:stretch>
+        </p:blipFill>
+        <p:spPr>
+          <a:xfrm>
+            <a:off x="5308222" y="1532211"/>
+            <a:ext cx="2969839" cy="2621497"/>
+          </a:xfrm>
+          <a:prstGeom prst="rect">
+            <a:avLst/>
+          </a:prstGeom>
+        </p:spPr>
+      </p:pic>
+      <p:pic>
+        <p:nvPicPr>
+          <p:cNvPr id="4" name="Bilde 3">
+            <a:extLst>
+              <a:ext uri="{FF2B5EF4-FFF2-40B4-BE49-F238E27FC236}">
+                <a16:creationId xmlns:a16="http://schemas.microsoft.com/office/drawing/2014/main" id="{74B1DCA5-8BE0-409A-88D2-968B5A2D0BB2}"/>
+              </a:ext>
+            </a:extLst>
+          </p:cNvPr>
+          <p:cNvPicPr>
+            <a:picLocks noChangeAspect="1"/>
+          </p:cNvPicPr>
+          <p:nvPr/>
+        </p:nvPicPr>
+        <p:blipFill>
+          <a:blip r:embed="rId3"/>
+          <a:stretch>
+            <a:fillRect/>
+          </a:stretch>
+        </p:blipFill>
+        <p:spPr>
+          <a:xfrm>
+            <a:off x="151241" y="1549400"/>
+            <a:ext cx="5076058" cy="2621497"/>
+          </a:xfrm>
+          <a:prstGeom prst="rect">
+            <a:avLst/>
+          </a:prstGeom>
+        </p:spPr>
+      </p:pic>
+      <p:sp>
+        <p:nvSpPr>
+          <p:cNvPr id="7" name="TekstSylinder 6">
+            <a:extLst>
+              <a:ext uri="{FF2B5EF4-FFF2-40B4-BE49-F238E27FC236}">
+                <a16:creationId xmlns:a16="http://schemas.microsoft.com/office/drawing/2014/main" id="{A3385BF8-FA42-48DB-9A68-8F5622927655}"/>
+              </a:ext>
+            </a:extLst>
+          </p:cNvPr>
+          <p:cNvSpPr txBox="1"/>
+          <p:nvPr/>
+        </p:nvSpPr>
+        <p:spPr>
+          <a:xfrm>
+            <a:off x="9188718" y="2530796"/>
+            <a:ext cx="585417" cy="369332"/>
+          </a:xfrm>
+          <a:prstGeom prst="rect">
+            <a:avLst/>
+          </a:prstGeom>
+          <a:noFill/>
+        </p:spPr>
+        <p:txBody>
+          <a:bodyPr wrap="none" rtlCol="0">
+            <a:spAutoFit/>
+          </a:bodyPr>
+          <a:lstStyle/>
+          <a:p>
+            <a:r>
+              <a:rPr lang="en-GB" dirty="0"/>
+              <a:t>(…)</a:t>
+            </a:r>
+          </a:p>
+        </p:txBody>
+      </p:sp>
+      <p:pic>
+        <p:nvPicPr>
+          <p:cNvPr id="8" name="Bilde 7">
+            <a:extLst>
+              <a:ext uri="{FF2B5EF4-FFF2-40B4-BE49-F238E27FC236}">
+                <a16:creationId xmlns:a16="http://schemas.microsoft.com/office/drawing/2014/main" id="{703FAA28-1830-47E4-9779-D15B02163449}"/>
+              </a:ext>
+            </a:extLst>
+          </p:cNvPr>
+          <p:cNvPicPr>
+            <a:picLocks noChangeAspect="1"/>
+          </p:cNvPicPr>
+          <p:nvPr/>
+        </p:nvPicPr>
+        <p:blipFill>
+          <a:blip r:embed="rId4"/>
+          <a:stretch>
+            <a:fillRect/>
+          </a:stretch>
+        </p:blipFill>
+        <p:spPr>
+          <a:xfrm>
+            <a:off x="8316161" y="3741798"/>
+            <a:ext cx="3788828" cy="3009565"/>
+          </a:xfrm>
+          <a:prstGeom prst="rect">
+            <a:avLst/>
+          </a:prstGeom>
+        </p:spPr>
+      </p:pic>
+      <p:sp>
+        <p:nvSpPr>
+          <p:cNvPr id="11" name="Pil: høyre 10">
+            <a:extLst>
+              <a:ext uri="{FF2B5EF4-FFF2-40B4-BE49-F238E27FC236}">
+                <a16:creationId xmlns:a16="http://schemas.microsoft.com/office/drawing/2014/main" id="{280EDDE8-AFCD-4A39-8E03-606A02C1F1C7}"/>
+              </a:ext>
+            </a:extLst>
+          </p:cNvPr>
+          <p:cNvSpPr/>
+          <p:nvPr/>
+        </p:nvSpPr>
+        <p:spPr>
+          <a:xfrm>
+            <a:off x="8432799" y="2637142"/>
+            <a:ext cx="798742" cy="181761"/>
+          </a:xfrm>
+          <a:prstGeom prst="rightArrow">
+            <a:avLst/>
+          </a:prstGeom>
+          <a:solidFill>
+            <a:schemeClr val="tx1"/>
+          </a:solidFill>
+          <a:ln>
+            <a:solidFill>
+              <a:schemeClr val="tx1"/>
+            </a:solidFill>
+          </a:ln>
+        </p:spPr>
+        <p:style>
+          <a:lnRef idx="2">
+            <a:schemeClr val="accent1">
+              <a:shade val="50000"/>
+            </a:schemeClr>
+          </a:lnRef>
+          <a:fillRef idx="1">
+            <a:schemeClr val="accent1"/>
+          </a:fillRef>
+          <a:effectRef idx="0">
+            <a:schemeClr val="accent1"/>
+          </a:effectRef>
+          <a:fontRef idx="minor">
+            <a:schemeClr val="lt1"/>
+          </a:fontRef>
+        </p:style>
+        <p:txBody>
+          <a:bodyPr rtlCol="0" anchor="ctr"/>
+          <a:lstStyle/>
+          <a:p>
+            <a:pPr algn="ctr"/>
+            <a:endParaRPr lang="en-GB">
+              <a:solidFill>
+                <a:schemeClr val="tx1"/>
+              </a:solidFill>
+            </a:endParaRPr>
+          </a:p>
+        </p:txBody>
+      </p:sp>
+      <p:sp>
+        <p:nvSpPr>
+          <p:cNvPr id="12" name="Pil: høyre 11">
+            <a:extLst>
+              <a:ext uri="{FF2B5EF4-FFF2-40B4-BE49-F238E27FC236}">
+                <a16:creationId xmlns:a16="http://schemas.microsoft.com/office/drawing/2014/main" id="{F3CEDCBB-3BA0-4277-A4E4-1CEBEABA4830}"/>
+              </a:ext>
+            </a:extLst>
+          </p:cNvPr>
+          <p:cNvSpPr/>
+          <p:nvPr/>
+        </p:nvSpPr>
+        <p:spPr>
+          <a:xfrm rot="5400000">
+            <a:off x="9082054" y="3190062"/>
+            <a:ext cx="798742" cy="181761"/>
+          </a:xfrm>
+          <a:prstGeom prst="rightArrow">
+            <a:avLst/>
+          </a:prstGeom>
+          <a:solidFill>
+            <a:schemeClr val="tx1"/>
+          </a:solidFill>
+          <a:ln>
+            <a:solidFill>
+              <a:schemeClr val="tx1"/>
+            </a:solidFill>
+          </a:ln>
+        </p:spPr>
+        <p:style>
+          <a:lnRef idx="2">
+            <a:schemeClr val="accent1">
+              <a:shade val="50000"/>
+            </a:schemeClr>
+          </a:lnRef>
+          <a:fillRef idx="1">
+            <a:schemeClr val="accent1"/>
+          </a:fillRef>
+          <a:effectRef idx="0">
+            <a:schemeClr val="accent1"/>
+          </a:effectRef>
+          <a:fontRef idx="minor">
+            <a:schemeClr val="lt1"/>
+          </a:fontRef>
+        </p:style>
+        <p:txBody>
+          <a:bodyPr rtlCol="0" anchor="ctr"/>
+          <a:lstStyle/>
+          <a:p>
+            <a:pPr algn="ctr"/>
+            <a:endParaRPr lang="en-GB">
+              <a:solidFill>
+                <a:schemeClr val="tx1"/>
+              </a:solidFill>
+            </a:endParaRPr>
+          </a:p>
+        </p:txBody>
+      </p:sp>
+      <p:sp>
+        <p:nvSpPr>
+          <p:cNvPr id="13" name="Rektangel 12">
+            <a:extLst>
+              <a:ext uri="{FF2B5EF4-FFF2-40B4-BE49-F238E27FC236}">
+                <a16:creationId xmlns:a16="http://schemas.microsoft.com/office/drawing/2014/main" id="{8F496F6F-C5EA-47F7-BC96-4BF69F1167E8}"/>
+              </a:ext>
+            </a:extLst>
+          </p:cNvPr>
+          <p:cNvSpPr/>
+          <p:nvPr/>
+        </p:nvSpPr>
+        <p:spPr>
+          <a:xfrm>
+            <a:off x="173277" y="4319601"/>
+            <a:ext cx="7696338" cy="1113062"/>
+          </a:xfrm>
+          <a:prstGeom prst="rect">
+            <a:avLst/>
+          </a:prstGeom>
+        </p:spPr>
+        <p:txBody>
+          <a:bodyPr wrap="none">
+            <a:spAutoFit/>
+          </a:bodyPr>
+          <a:lstStyle/>
+          <a:p>
+            <a:pPr marL="285750" indent="-285750">
+              <a:lnSpc>
+                <a:spcPct val="200000"/>
+              </a:lnSpc>
+              <a:buFontTx/>
+              <a:buChar char="-"/>
+            </a:pPr>
+            <a:r>
+              <a:rPr lang="en-US" dirty="0"/>
+              <a:t>Generates the opponent’s move for the </a:t>
+            </a:r>
+            <a:r>
+              <a:rPr lang="en-US" dirty="0" err="1"/>
+              <a:t>singleplayer</a:t>
+            </a:r>
+            <a:endParaRPr lang="en-US" dirty="0"/>
+          </a:p>
+          <a:p>
+            <a:pPr marL="285750" indent="-285750">
+              <a:lnSpc>
+                <a:spcPct val="200000"/>
+              </a:lnSpc>
+              <a:buFontTx/>
+              <a:buChar char="-"/>
+            </a:pPr>
+            <a:r>
+              <a:rPr lang="en-US" dirty="0"/>
+              <a:t>Two </a:t>
+            </a:r>
+            <a:r>
+              <a:rPr lang="en-US" dirty="0" err="1"/>
+              <a:t>HashMaps</a:t>
+            </a:r>
+            <a:r>
+              <a:rPr lang="en-US" dirty="0"/>
+              <a:t> to simplify coordinate extraction and generation </a:t>
+            </a:r>
+            <a:endParaRPr lang="en-GB" dirty="0"/>
+          </a:p>
+        </p:txBody>
+      </p:sp>
+    </p:spTree>
+    <p:extLst>
+      <p:ext uri="{BB962C8B-B14F-4D97-AF65-F5344CB8AC3E}">
+        <p14:creationId xmlns:p14="http://schemas.microsoft.com/office/powerpoint/2010/main" val="2175001665"/>
+      </p:ext>
+    </p:extLst>
+  </p:cSld>
+  <p:clrMapOvr>
+    <a:masterClrMapping/>
+  </p:clrMapOvr>
+</p:sld>
+</file>
+
+<file path=ppt/slides/slide13.xml><?xml version="1.0" encoding="utf-8"?>
+<p:sld xmlns:a="http://schemas.openxmlformats.org/drawingml/2006/main" xmlns:r="http://schemas.openxmlformats.org/officeDocument/2006/relationships" xmlns:p="http://schemas.openxmlformats.org/presentationml/2006/main">
+  <p:cSld>
+    <p:spTree>
+      <p:nvGrpSpPr>
+        <p:cNvPr id="1" name=""/>
+        <p:cNvGrpSpPr/>
+        <p:nvPr/>
+      </p:nvGrpSpPr>
+      <p:grpSpPr>
+        <a:xfrm>
+          <a:off x="0" y="0"/>
+          <a:ext cx="0" cy="0"/>
+          <a:chOff x="0" y="0"/>
+          <a:chExt cx="0" cy="0"/>
+        </a:xfrm>
+      </p:grpSpPr>
+      <p:sp>
+        <p:nvSpPr>
+          <p:cNvPr id="2" name="Tittel 1">
+            <a:extLst>
+              <a:ext uri="{FF2B5EF4-FFF2-40B4-BE49-F238E27FC236}">
+                <a16:creationId xmlns:a16="http://schemas.microsoft.com/office/drawing/2014/main" id="{718909D4-9155-451D-9E42-F4BE1F57CDFC}"/>
+              </a:ext>
+            </a:extLst>
+          </p:cNvPr>
+          <p:cNvSpPr>
+            <a:spLocks noGrp="1"/>
+          </p:cNvSpPr>
+          <p:nvPr>
+            <p:ph type="title"/>
+          </p:nvPr>
+        </p:nvSpPr>
+        <p:spPr>
+          <a:xfrm>
+            <a:off x="2895600" y="460168"/>
+            <a:ext cx="8610600" cy="1293028"/>
+          </a:xfrm>
+        </p:spPr>
+        <p:txBody>
+          <a:bodyPr/>
+          <a:lstStyle/>
+          <a:p>
+            <a:r>
+              <a:rPr lang="en-GB" dirty="0" err="1"/>
+              <a:t>Singleplayer</a:t>
+            </a:r>
+            <a:r>
+              <a:rPr lang="en-GB" dirty="0"/>
+              <a:t> class</a:t>
+            </a:r>
+          </a:p>
+        </p:txBody>
+      </p:sp>
+      <p:pic>
+        <p:nvPicPr>
+          <p:cNvPr id="5" name="Plassholder for innhold 4">
+            <a:extLst>
+              <a:ext uri="{FF2B5EF4-FFF2-40B4-BE49-F238E27FC236}">
+                <a16:creationId xmlns:a16="http://schemas.microsoft.com/office/drawing/2014/main" id="{F489B852-27A5-4128-B240-AC2E65009914}"/>
+              </a:ext>
+            </a:extLst>
+          </p:cNvPr>
+          <p:cNvPicPr>
+            <a:picLocks noGrp="1" noChangeAspect="1"/>
+          </p:cNvPicPr>
+          <p:nvPr>
+            <p:ph idx="1"/>
+          </p:nvPr>
+        </p:nvPicPr>
+        <p:blipFill>
+          <a:blip r:embed="rId2"/>
+          <a:stretch>
+            <a:fillRect/>
+          </a:stretch>
+        </p:blipFill>
+        <p:spPr>
+          <a:xfrm>
+            <a:off x="111618" y="1753196"/>
+            <a:ext cx="5425581" cy="4113835"/>
+          </a:xfrm>
+          <a:prstGeom prst="rect">
+            <a:avLst/>
+          </a:prstGeom>
+        </p:spPr>
+      </p:pic>
+      <p:pic>
+        <p:nvPicPr>
+          <p:cNvPr id="6" name="Bilde 5">
+            <a:extLst>
+              <a:ext uri="{FF2B5EF4-FFF2-40B4-BE49-F238E27FC236}">
+                <a16:creationId xmlns:a16="http://schemas.microsoft.com/office/drawing/2014/main" id="{0AA91C14-B806-472B-87BE-AE4BB092C853}"/>
+              </a:ext>
+            </a:extLst>
+          </p:cNvPr>
+          <p:cNvPicPr>
+            <a:picLocks noChangeAspect="1"/>
+          </p:cNvPicPr>
+          <p:nvPr/>
+        </p:nvPicPr>
+        <p:blipFill rotWithShape="1">
+          <a:blip r:embed="rId3"/>
+          <a:srcRect l="5530" b="12627"/>
+          <a:stretch/>
+        </p:blipFill>
+        <p:spPr>
+          <a:xfrm>
+            <a:off x="6519334" y="1753196"/>
+            <a:ext cx="5266266" cy="2346135"/>
+          </a:xfrm>
+          <a:prstGeom prst="rect">
+            <a:avLst/>
+          </a:prstGeom>
+        </p:spPr>
+      </p:pic>
+      <p:sp>
+        <p:nvSpPr>
+          <p:cNvPr id="7" name="Pil: høyre 6">
+            <a:extLst>
+              <a:ext uri="{FF2B5EF4-FFF2-40B4-BE49-F238E27FC236}">
+                <a16:creationId xmlns:a16="http://schemas.microsoft.com/office/drawing/2014/main" id="{B7735F0D-BF6C-4BFB-A72D-71D460AFA83E}"/>
+              </a:ext>
+            </a:extLst>
+          </p:cNvPr>
+          <p:cNvSpPr/>
+          <p:nvPr/>
+        </p:nvSpPr>
+        <p:spPr>
+          <a:xfrm>
+            <a:off x="5672667" y="2870200"/>
+            <a:ext cx="728133" cy="262466"/>
+          </a:xfrm>
+          <a:prstGeom prst="rightArrow">
+            <a:avLst/>
+          </a:prstGeom>
+          <a:solidFill>
+            <a:schemeClr val="tx1"/>
+          </a:solidFill>
+          <a:ln>
+            <a:solidFill>
+              <a:schemeClr val="tx1"/>
+            </a:solidFill>
+          </a:ln>
+        </p:spPr>
+        <p:style>
+          <a:lnRef idx="2">
+            <a:schemeClr val="accent1">
+              <a:shade val="50000"/>
+            </a:schemeClr>
+          </a:lnRef>
+          <a:fillRef idx="1">
+            <a:schemeClr val="accent1"/>
+          </a:fillRef>
+          <a:effectRef idx="0">
+            <a:schemeClr val="accent1"/>
+          </a:effectRef>
+          <a:fontRef idx="minor">
+            <a:schemeClr val="lt1"/>
+          </a:fontRef>
+        </p:style>
+        <p:txBody>
+          <a:bodyPr rtlCol="0" anchor="ctr"/>
+          <a:lstStyle/>
+          <a:p>
+            <a:pPr algn="ctr"/>
+            <a:endParaRPr lang="en-GB"/>
+          </a:p>
+        </p:txBody>
+      </p:sp>
+      <p:sp>
+        <p:nvSpPr>
+          <p:cNvPr id="8" name="TekstSylinder 7">
+            <a:extLst>
+              <a:ext uri="{FF2B5EF4-FFF2-40B4-BE49-F238E27FC236}">
+                <a16:creationId xmlns:a16="http://schemas.microsoft.com/office/drawing/2014/main" id="{09959012-9654-4B2C-AC6E-2D7FDF2B6B3A}"/>
+              </a:ext>
+            </a:extLst>
+          </p:cNvPr>
+          <p:cNvSpPr txBox="1"/>
+          <p:nvPr/>
+        </p:nvSpPr>
+        <p:spPr>
+          <a:xfrm>
+            <a:off x="6519334" y="4943701"/>
+            <a:ext cx="5266266" cy="923330"/>
+          </a:xfrm>
+          <a:prstGeom prst="rect">
+            <a:avLst/>
+          </a:prstGeom>
+          <a:noFill/>
+        </p:spPr>
+        <p:txBody>
+          <a:bodyPr wrap="square" rtlCol="0">
+            <a:spAutoFit/>
+          </a:bodyPr>
+          <a:lstStyle/>
+          <a:p>
+            <a:pPr marL="285750" indent="-285750">
+              <a:buFontTx/>
+              <a:buChar char="-"/>
+            </a:pPr>
+            <a:r>
+              <a:rPr lang="en-GB" dirty="0"/>
+              <a:t>Implements the </a:t>
+            </a:r>
+            <a:r>
+              <a:rPr lang="en-GB" dirty="0" err="1"/>
+              <a:t>singleplayer</a:t>
+            </a:r>
+            <a:r>
+              <a:rPr lang="en-GB" dirty="0"/>
+              <a:t> functionality </a:t>
+            </a:r>
+          </a:p>
+          <a:p>
+            <a:r>
+              <a:rPr lang="en-GB" dirty="0"/>
+              <a:t>using the AI-class</a:t>
+            </a:r>
+          </a:p>
+          <a:p>
+            <a:endParaRPr lang="en-GB" dirty="0"/>
+          </a:p>
+        </p:txBody>
+      </p:sp>
+    </p:spTree>
+    <p:extLst>
+      <p:ext uri="{BB962C8B-B14F-4D97-AF65-F5344CB8AC3E}">
+        <p14:creationId xmlns:p14="http://schemas.microsoft.com/office/powerpoint/2010/main" val="3924727181"/>
+      </p:ext>
+    </p:extLst>
+  </p:cSld>
+  <p:clrMapOvr>
+    <a:masterClrMapping/>
+  </p:clrMapOvr>
+</p:sld>
+</file>
+
+<file path=ppt/slides/slide14.xml><?xml version="1.0" encoding="utf-8"?>
+<p:sld xmlns:a="http://schemas.openxmlformats.org/drawingml/2006/main" xmlns:r="http://schemas.openxmlformats.org/officeDocument/2006/relationships" xmlns:p="http://schemas.openxmlformats.org/presentationml/2006/main">
+  <p:cSld>
+    <p:spTree>
+      <p:nvGrpSpPr>
+        <p:cNvPr id="1" name=""/>
+        <p:cNvGrpSpPr/>
+        <p:nvPr/>
+      </p:nvGrpSpPr>
+      <p:grpSpPr>
+        <a:xfrm>
+          <a:off x="0" y="0"/>
+          <a:ext cx="0" cy="0"/>
+          <a:chOff x="0" y="0"/>
+          <a:chExt cx="0" cy="0"/>
+        </a:xfrm>
+      </p:grpSpPr>
+      <p:sp>
+        <p:nvSpPr>
+          <p:cNvPr id="2" name="Tittel 1">
+            <a:extLst>
+              <a:ext uri="{FF2B5EF4-FFF2-40B4-BE49-F238E27FC236}">
+                <a16:creationId xmlns:a16="http://schemas.microsoft.com/office/drawing/2014/main" id="{D8610909-2DD4-45B3-88CA-027B84E85683}"/>
+              </a:ext>
+            </a:extLst>
+          </p:cNvPr>
+          <p:cNvSpPr>
+            <a:spLocks noGrp="1"/>
+          </p:cNvSpPr>
+          <p:nvPr>
+            <p:ph type="title"/>
+          </p:nvPr>
+        </p:nvSpPr>
+        <p:spPr>
+          <a:xfrm>
+            <a:off x="2980267" y="573842"/>
+            <a:ext cx="8610600" cy="1293028"/>
+          </a:xfrm>
+        </p:spPr>
+        <p:txBody>
+          <a:bodyPr/>
+          <a:lstStyle/>
+          <a:p>
+            <a:r>
+              <a:rPr lang="en-GB" dirty="0"/>
+              <a:t>Multiplayer class</a:t>
+            </a:r>
+          </a:p>
+        </p:txBody>
+      </p:sp>
+      <p:sp>
+        <p:nvSpPr>
+          <p:cNvPr id="3" name="Plassholder for innhold 2">
+            <a:extLst>
+              <a:ext uri="{FF2B5EF4-FFF2-40B4-BE49-F238E27FC236}">
+                <a16:creationId xmlns:a16="http://schemas.microsoft.com/office/drawing/2014/main" id="{7EC540F2-C163-4BB0-AC80-0FA3C72242AB}"/>
+              </a:ext>
+            </a:extLst>
+          </p:cNvPr>
+          <p:cNvSpPr>
+            <a:spLocks noGrp="1"/>
+          </p:cNvSpPr>
+          <p:nvPr>
+            <p:ph idx="1"/>
+          </p:nvPr>
+        </p:nvSpPr>
+        <p:spPr/>
+        <p:txBody>
+          <a:bodyPr/>
+          <a:lstStyle/>
+          <a:p>
+            <a:endParaRPr lang="en-GB" dirty="0"/>
+          </a:p>
+        </p:txBody>
+      </p:sp>
+      <p:pic>
+        <p:nvPicPr>
+          <p:cNvPr id="4" name="Bilde 3">
+            <a:extLst>
+              <a:ext uri="{FF2B5EF4-FFF2-40B4-BE49-F238E27FC236}">
+                <a16:creationId xmlns:a16="http://schemas.microsoft.com/office/drawing/2014/main" id="{1F277D3F-AFA7-463C-8F5B-138B4973EFC0}"/>
+              </a:ext>
+            </a:extLst>
+          </p:cNvPr>
+          <p:cNvPicPr>
+            <a:picLocks noChangeAspect="1"/>
+          </p:cNvPicPr>
+          <p:nvPr/>
+        </p:nvPicPr>
+        <p:blipFill>
+          <a:blip r:embed="rId2"/>
+          <a:stretch>
+            <a:fillRect/>
+          </a:stretch>
+        </p:blipFill>
+        <p:spPr>
+          <a:xfrm>
+            <a:off x="186266" y="1557868"/>
+            <a:ext cx="6041618" cy="3575652"/>
+          </a:xfrm>
+          <a:prstGeom prst="rect">
+            <a:avLst/>
+          </a:prstGeom>
+        </p:spPr>
+      </p:pic>
+      <p:pic>
+        <p:nvPicPr>
+          <p:cNvPr id="5" name="Bilde 4">
+            <a:extLst>
+              <a:ext uri="{FF2B5EF4-FFF2-40B4-BE49-F238E27FC236}">
+                <a16:creationId xmlns:a16="http://schemas.microsoft.com/office/drawing/2014/main" id="{CB94A388-4C9A-49FA-89ED-32A4BE91FF71}"/>
+              </a:ext>
+            </a:extLst>
+          </p:cNvPr>
+          <p:cNvPicPr>
+            <a:picLocks noChangeAspect="1"/>
+          </p:cNvPicPr>
+          <p:nvPr/>
+        </p:nvPicPr>
+        <p:blipFill>
+          <a:blip r:embed="rId3"/>
+          <a:stretch>
+            <a:fillRect/>
+          </a:stretch>
+        </p:blipFill>
+        <p:spPr>
+          <a:xfrm>
+            <a:off x="6787588" y="1562815"/>
+            <a:ext cx="5218146" cy="4184247"/>
+          </a:xfrm>
+          <a:prstGeom prst="rect">
+            <a:avLst/>
+          </a:prstGeom>
+        </p:spPr>
+      </p:pic>
+      <p:sp>
+        <p:nvSpPr>
+          <p:cNvPr id="6" name="Rektangel 5">
+            <a:extLst>
+              <a:ext uri="{FF2B5EF4-FFF2-40B4-BE49-F238E27FC236}">
+                <a16:creationId xmlns:a16="http://schemas.microsoft.com/office/drawing/2014/main" id="{CF1CFD24-5877-4347-8A6B-36D288FBEFFE}"/>
+              </a:ext>
+            </a:extLst>
+          </p:cNvPr>
+          <p:cNvSpPr/>
+          <p:nvPr/>
+        </p:nvSpPr>
+        <p:spPr>
+          <a:xfrm>
+            <a:off x="601133" y="5300132"/>
+            <a:ext cx="6096000" cy="369332"/>
+          </a:xfrm>
+          <a:prstGeom prst="rect">
+            <a:avLst/>
+          </a:prstGeom>
+        </p:spPr>
+        <p:txBody>
+          <a:bodyPr>
+            <a:spAutoFit/>
+          </a:bodyPr>
+          <a:lstStyle/>
+          <a:p>
+            <a:pPr marL="285750" indent="-285750">
+              <a:buFontTx/>
+              <a:buChar char="-"/>
+            </a:pPr>
+            <a:r>
+              <a:rPr lang="en-GB" dirty="0"/>
+              <a:t>Implements the multiplayer functionality</a:t>
+            </a:r>
+          </a:p>
+        </p:txBody>
+      </p:sp>
+      <p:sp>
+        <p:nvSpPr>
+          <p:cNvPr id="7" name="Pil: høyre 6">
+            <a:extLst>
+              <a:ext uri="{FF2B5EF4-FFF2-40B4-BE49-F238E27FC236}">
+                <a16:creationId xmlns:a16="http://schemas.microsoft.com/office/drawing/2014/main" id="{7BC1E70D-E678-417F-B1C3-352216700EB1}"/>
+              </a:ext>
+            </a:extLst>
+          </p:cNvPr>
+          <p:cNvSpPr/>
+          <p:nvPr/>
+        </p:nvSpPr>
+        <p:spPr>
+          <a:xfrm>
+            <a:off x="6281363" y="3175000"/>
+            <a:ext cx="446055" cy="254000"/>
+          </a:xfrm>
+          <a:prstGeom prst="rightArrow">
+            <a:avLst/>
+          </a:prstGeom>
+          <a:solidFill>
+            <a:schemeClr val="tx1"/>
+          </a:solidFill>
+          <a:ln>
+            <a:solidFill>
+              <a:schemeClr val="tx1"/>
+            </a:solidFill>
+          </a:ln>
+        </p:spPr>
+        <p:style>
+          <a:lnRef idx="2">
+            <a:schemeClr val="accent1">
+              <a:shade val="50000"/>
+            </a:schemeClr>
+          </a:lnRef>
+          <a:fillRef idx="1">
+            <a:schemeClr val="accent1"/>
+          </a:fillRef>
+          <a:effectRef idx="0">
+            <a:schemeClr val="accent1"/>
+          </a:effectRef>
+          <a:fontRef idx="minor">
+            <a:schemeClr val="lt1"/>
+          </a:fontRef>
+        </p:style>
+        <p:txBody>
+          <a:bodyPr rtlCol="0" anchor="ctr"/>
+          <a:lstStyle/>
+          <a:p>
+            <a:pPr algn="ctr"/>
+            <a:endParaRPr lang="en-GB"/>
+          </a:p>
+        </p:txBody>
+      </p:sp>
+    </p:spTree>
+    <p:extLst>
+      <p:ext uri="{BB962C8B-B14F-4D97-AF65-F5344CB8AC3E}">
+        <p14:creationId xmlns:p14="http://schemas.microsoft.com/office/powerpoint/2010/main" val="1946236560"/>
+      </p:ext>
+    </p:extLst>
+  </p:cSld>
+  <p:clrMapOvr>
+    <a:masterClrMapping/>
+  </p:clrMapOvr>
+</p:sld>
+</file>
+
+<file path=ppt/slides/slide15.xml><?xml version="1.0" encoding="utf-8"?>
+<p:sld xmlns:a="http://schemas.openxmlformats.org/drawingml/2006/main" xmlns:r="http://schemas.openxmlformats.org/officeDocument/2006/relationships" xmlns:p="http://schemas.openxmlformats.org/presentationml/2006/main">
+  <p:cSld>
+    <p:spTree>
+      <p:nvGrpSpPr>
+        <p:cNvPr id="1" name=""/>
+        <p:cNvGrpSpPr/>
+        <p:nvPr/>
+      </p:nvGrpSpPr>
+      <p:grpSpPr>
+        <a:xfrm>
+          <a:off x="0" y="0"/>
+          <a:ext cx="0" cy="0"/>
+          <a:chOff x="0" y="0"/>
+          <a:chExt cx="0" cy="0"/>
+        </a:xfrm>
+      </p:grpSpPr>
+      <p:sp>
+        <p:nvSpPr>
+          <p:cNvPr id="2" name="Tittel 1">
+            <a:extLst>
+              <a:ext uri="{FF2B5EF4-FFF2-40B4-BE49-F238E27FC236}">
+                <a16:creationId xmlns:a16="http://schemas.microsoft.com/office/drawing/2014/main" id="{4202A412-0DB3-4F74-BCAC-ACDA453D95B8}"/>
+              </a:ext>
+            </a:extLst>
+          </p:cNvPr>
+          <p:cNvSpPr>
+            <a:spLocks noGrp="1"/>
+          </p:cNvSpPr>
+          <p:nvPr>
+            <p:ph type="title"/>
+          </p:nvPr>
+        </p:nvSpPr>
+        <p:spPr>
+          <a:xfrm>
+            <a:off x="1809750" y="764373"/>
+            <a:ext cx="9696450" cy="1293028"/>
+          </a:xfrm>
+        </p:spPr>
+        <p:txBody>
+          <a:bodyPr/>
+          <a:lstStyle/>
+          <a:p>
+            <a:r>
+              <a:rPr lang="en-GB" dirty="0"/>
+              <a:t>Development and external tools</a:t>
+            </a:r>
+          </a:p>
+        </p:txBody>
+      </p:sp>
+      <p:sp>
+        <p:nvSpPr>
+          <p:cNvPr id="3" name="Plassholder for innhold 2">
+            <a:extLst>
+              <a:ext uri="{FF2B5EF4-FFF2-40B4-BE49-F238E27FC236}">
+                <a16:creationId xmlns:a16="http://schemas.microsoft.com/office/drawing/2014/main" id="{51C15BCF-D3AD-4073-9959-5667A9CA7AF6}"/>
+              </a:ext>
+            </a:extLst>
+          </p:cNvPr>
+          <p:cNvSpPr>
+            <a:spLocks noGrp="1"/>
+          </p:cNvSpPr>
+          <p:nvPr>
+            <p:ph idx="1"/>
+          </p:nvPr>
+        </p:nvSpPr>
+        <p:spPr>
+          <a:xfrm>
+            <a:off x="171451" y="2057400"/>
+            <a:ext cx="6305550" cy="4657725"/>
+          </a:xfrm>
+        </p:spPr>
+        <p:txBody>
+          <a:bodyPr>
+            <a:normAutofit/>
+          </a:bodyPr>
+          <a:lstStyle/>
+          <a:p>
+            <a:endParaRPr lang="en-US" dirty="0"/>
+          </a:p>
+          <a:p>
+            <a:r>
+              <a:rPr lang="en-US" dirty="0"/>
+              <a:t>We established a GitHub repository to handle version control and manage collaboration. </a:t>
+            </a:r>
+          </a:p>
+          <a:p>
+            <a:endParaRPr lang="en-US" dirty="0"/>
+          </a:p>
+          <a:p>
+            <a:pPr marL="0" indent="0">
+              <a:buNone/>
+            </a:pPr>
+            <a:endParaRPr lang="en-US" dirty="0"/>
+          </a:p>
+          <a:p>
+            <a:r>
+              <a:rPr lang="en-US" dirty="0"/>
+              <a:t>We also used </a:t>
+            </a:r>
+            <a:r>
+              <a:rPr lang="en-US" dirty="0" err="1"/>
+              <a:t>KakaoTalk</a:t>
+            </a:r>
+            <a:r>
+              <a:rPr lang="en-US" dirty="0"/>
+              <a:t> to discuss various aspects of the development and cooperation, when we weren’t able to meet in person.</a:t>
+            </a:r>
+            <a:endParaRPr lang="nb-NO" dirty="0"/>
+          </a:p>
+          <a:p>
+            <a:endParaRPr lang="en-GB" dirty="0"/>
+          </a:p>
+        </p:txBody>
+      </p:sp>
+      <p:pic>
+        <p:nvPicPr>
+          <p:cNvPr id="4" name="Bilde 3">
+            <a:extLst>
+              <a:ext uri="{FF2B5EF4-FFF2-40B4-BE49-F238E27FC236}">
+                <a16:creationId xmlns:a16="http://schemas.microsoft.com/office/drawing/2014/main" id="{67FB74EB-08E8-4670-9D78-6E0FFC6B66D6}"/>
+              </a:ext>
+            </a:extLst>
+          </p:cNvPr>
+          <p:cNvPicPr>
+            <a:picLocks noChangeAspect="1"/>
+          </p:cNvPicPr>
+          <p:nvPr/>
+        </p:nvPicPr>
+        <p:blipFill>
+          <a:blip r:embed="rId2"/>
+          <a:stretch>
+            <a:fillRect/>
+          </a:stretch>
+        </p:blipFill>
+        <p:spPr>
+          <a:xfrm>
+            <a:off x="6318804" y="1997310"/>
+            <a:ext cx="5701746" cy="4777904"/>
+          </a:xfrm>
+          <a:prstGeom prst="rect">
+            <a:avLst/>
+          </a:prstGeom>
+        </p:spPr>
+      </p:pic>
+    </p:spTree>
+    <p:extLst>
+      <p:ext uri="{BB962C8B-B14F-4D97-AF65-F5344CB8AC3E}">
+        <p14:creationId xmlns:p14="http://schemas.microsoft.com/office/powerpoint/2010/main" val="1921862635"/>
+      </p:ext>
+    </p:extLst>
+  </p:cSld>
+  <p:clrMapOvr>
+    <a:masterClrMapping/>
+  </p:clrMapOvr>
+</p:sld>
+</file>
+
+<file path=ppt/slides/slide16.xml><?xml version="1.0" encoding="utf-8"?>
+<p:sld xmlns:a="http://schemas.openxmlformats.org/drawingml/2006/main" xmlns:r="http://schemas.openxmlformats.org/officeDocument/2006/relationships" xmlns:p="http://schemas.openxmlformats.org/presentationml/2006/main">
+  <p:cSld>
+    <p:spTree>
+      <p:nvGrpSpPr>
+        <p:cNvPr id="1" name=""/>
+        <p:cNvGrpSpPr/>
+        <p:nvPr/>
+      </p:nvGrpSpPr>
+      <p:grpSpPr>
+        <a:xfrm>
+          <a:off x="0" y="0"/>
+          <a:ext cx="0" cy="0"/>
+          <a:chOff x="0" y="0"/>
+          <a:chExt cx="0" cy="0"/>
+        </a:xfrm>
+      </p:grpSpPr>
+      <p:sp>
+        <p:nvSpPr>
+          <p:cNvPr id="2" name="Tittel 1">
+            <a:extLst>
+              <a:ext uri="{FF2B5EF4-FFF2-40B4-BE49-F238E27FC236}">
+                <a16:creationId xmlns:a16="http://schemas.microsoft.com/office/drawing/2014/main" id="{68590792-2A52-4478-9BDD-AC0AFE190DC9}"/>
+              </a:ext>
+            </a:extLst>
+          </p:cNvPr>
+          <p:cNvSpPr>
+            <a:spLocks noGrp="1"/>
+          </p:cNvSpPr>
+          <p:nvPr>
+            <p:ph type="title"/>
+          </p:nvPr>
+        </p:nvSpPr>
+        <p:spPr>
+          <a:xfrm>
+            <a:off x="2895600" y="764373"/>
+            <a:ext cx="8610600" cy="1293028"/>
+          </a:xfrm>
+        </p:spPr>
+        <p:txBody>
+          <a:bodyPr/>
+          <a:lstStyle/>
+          <a:p>
+            <a:r>
+              <a:rPr lang="en-GB" dirty="0"/>
+              <a:t>Thank you</a:t>
+            </a:r>
+          </a:p>
+        </p:txBody>
+      </p:sp>
+      <p:sp>
+        <p:nvSpPr>
+          <p:cNvPr id="3" name="Plassholder for innhold 2">
+            <a:extLst>
+              <a:ext uri="{FF2B5EF4-FFF2-40B4-BE49-F238E27FC236}">
+                <a16:creationId xmlns:a16="http://schemas.microsoft.com/office/drawing/2014/main" id="{CBF4508F-7EC8-45F3-B74D-733D5FBE5398}"/>
+              </a:ext>
+            </a:extLst>
+          </p:cNvPr>
+          <p:cNvSpPr>
+            <a:spLocks noGrp="1"/>
+          </p:cNvSpPr>
+          <p:nvPr>
+            <p:ph idx="1"/>
+          </p:nvPr>
+        </p:nvSpPr>
+        <p:spPr/>
+        <p:txBody>
+          <a:bodyPr>
+            <a:normAutofit/>
+          </a:bodyPr>
+          <a:lstStyle/>
+          <a:p>
+            <a:r>
+              <a:rPr lang="en-GB" sz="3200" dirty="0"/>
+              <a:t>Questions?</a:t>
+            </a:r>
+          </a:p>
+        </p:txBody>
+      </p:sp>
+    </p:spTree>
+    <p:extLst>
+      <p:ext uri="{BB962C8B-B14F-4D97-AF65-F5344CB8AC3E}">
+        <p14:creationId xmlns:p14="http://schemas.microsoft.com/office/powerpoint/2010/main" val="4176546735"/>
       </p:ext>
     </p:extLst>
   </p:cSld>
@@ -6020,7 +7533,29 @@
             </a:r>
             <a:r>
               <a:rPr lang="de-DE" dirty="0" err="1"/>
-              <a:t>very</a:t>
+              <a:t>interesting</a:t>
+            </a:r>
+            <a:r>
+              <a:rPr lang="de-DE" dirty="0"/>
+              <a:t> and </a:t>
+            </a:r>
+            <a:r>
+              <a:rPr lang="de-DE" dirty="0" err="1"/>
+              <a:t>motivating</a:t>
+            </a:r>
+            <a:endParaRPr lang="de-DE" dirty="0"/>
+          </a:p>
+          <a:p>
+            <a:endParaRPr lang="de-DE" dirty="0"/>
+          </a:p>
+          <a:p>
+            <a:r>
+              <a:rPr lang="de-DE" dirty="0"/>
+              <a:t>Go-</a:t>
+            </a:r>
+            <a:r>
+              <a:rPr lang="de-DE" dirty="0" err="1"/>
+              <a:t>Moku</a:t>
             </a:r>
             <a:r>
               <a:rPr lang="de-DE" dirty="0"/>
@@ -6028,7 +7563,23 @@
             </a:r>
             <a:r>
               <a:rPr lang="de-DE" dirty="0" err="1"/>
-              <a:t>interstingand</a:t>
+              <a:t>is</a:t>
+            </a:r>
+            <a:r>
+              <a:rPr lang="de-DE" dirty="0"/>
+              <a:t> an </a:t>
+            </a:r>
+            <a:r>
+              <a:rPr lang="de-DE" dirty="0" err="1"/>
+              <a:t>appropriate</a:t>
+            </a:r>
+            <a:r>
+              <a:rPr lang="de-DE" dirty="0"/>
+              <a:t> game </a:t>
+            </a:r>
+            <a:r>
+              <a:rPr lang="de-DE" dirty="0" err="1"/>
+              <a:t>for</a:t>
             </a:r>
             <a:r>
               <a:rPr lang="de-DE" dirty="0"/>
@@ -6036,14 +7587,7 @@
             </a:r>
             <a:r>
               <a:rPr lang="de-DE" dirty="0" err="1"/>
-              <a:t>motivating</a:t>
-            </a:r>
-            <a:endParaRPr lang="de-DE" dirty="0"/>
-          </a:p>
-          <a:p>
-            <a:r>
-              <a:rPr lang="de-DE" dirty="0" err="1"/>
-              <a:t>We</a:t>
+              <a:t>command</a:t>
             </a:r>
             <a:r>
               <a:rPr lang="de-DE" dirty="0"/>
@@ -6051,15 +7595,7 @@
             </a:r>
             <a:r>
               <a:rPr lang="de-DE" dirty="0" err="1"/>
-              <a:t>have</a:t>
-            </a:r>
-            <a:r>
-              <a:rPr lang="de-DE" dirty="0"/>
-              <a:t> a </a:t>
-            </a:r>
-            <a:r>
-              <a:rPr lang="de-DE" dirty="0" err="1"/>
-              <a:t>certain</a:t>
+              <a:t>line</a:t>
             </a:r>
             <a:r>
               <a:rPr lang="de-DE" dirty="0"/>
@@ -6067,15 +7603,15 @@
             </a:r>
             <a:r>
               <a:rPr lang="de-DE" dirty="0" err="1"/>
-              <a:t>experience</a:t>
+              <a:t>execuction</a:t>
             </a:r>
             <a:r>
               <a:rPr lang="de-DE" dirty="0"/>
-              <a:t> in </a:t>
+              <a:t> (</a:t>
             </a:r>
             <a:r>
               <a:rPr lang="de-DE" dirty="0" err="1"/>
-              <a:t>that</a:t>
+              <a:t>since</a:t>
             </a:r>
             <a:r>
               <a:rPr lang="de-DE" dirty="0"/>
@@ -6083,18 +7619,7 @@
             </a:r>
             <a:r>
               <a:rPr lang="de-DE" dirty="0" err="1"/>
-              <a:t>field</a:t>
-            </a:r>
-            <a:endParaRPr lang="de-DE" dirty="0"/>
-          </a:p>
-          <a:p>
-            <a:r>
-              <a:rPr lang="de-DE" dirty="0"/>
-              <a:t>Go-</a:t>
-            </a:r>
-            <a:r>
-              <a:rPr lang="de-DE" dirty="0" err="1"/>
-              <a:t>Moku</a:t>
+              <a:t>we</a:t>
             </a:r>
             <a:r>
               <a:rPr lang="de-DE" dirty="0"/>
@@ -6102,15 +7627,7 @@
             </a:r>
             <a:r>
               <a:rPr lang="de-DE" dirty="0" err="1"/>
-              <a:t>is</a:t>
-            </a:r>
-            <a:r>
-              <a:rPr lang="de-DE" dirty="0"/>
-              <a:t> an </a:t>
-            </a:r>
-            <a:r>
-              <a:rPr lang="de-DE" dirty="0" err="1"/>
-              <a:t>appropriate</a:t>
+              <a:t>weren‘t</a:t>
             </a:r>
             <a:r>
               <a:rPr lang="de-DE" dirty="0"/>
@@ -6118,7 +7635,7 @@
             </a:r>
             <a:r>
               <a:rPr lang="de-DE" dirty="0" err="1"/>
-              <a:t>game</a:t>
+              <a:t>allowed</a:t>
             </a:r>
             <a:r>
               <a:rPr lang="de-DE" dirty="0"/>
@@ -6126,7 +7643,7 @@
             </a:r>
             <a:r>
               <a:rPr lang="de-DE" dirty="0" err="1"/>
-              <a:t>for</a:t>
+              <a:t>to</a:t>
             </a:r>
             <a:r>
               <a:rPr lang="de-DE" dirty="0"/>
@@ -6134,7 +7651,7 @@
             </a:r>
             <a:r>
               <a:rPr lang="de-DE" dirty="0" err="1"/>
-              <a:t>command</a:t>
+              <a:t>implement</a:t>
             </a:r>
             <a:r>
               <a:rPr lang="de-DE" dirty="0"/>
@@ -6142,7 +7659,20 @@
             </a:r>
             <a:r>
               <a:rPr lang="de-DE" dirty="0" err="1"/>
-              <a:t>line</a:t>
+              <a:t>Graphical</a:t>
+            </a:r>
+            <a:r>
+              <a:rPr lang="de-DE" dirty="0"/>
+              <a:t> User Interface)</a:t>
+            </a:r>
+          </a:p>
+          <a:p>
+            <a:endParaRPr lang="de-DE" dirty="0"/>
+          </a:p>
+          <a:p>
+            <a:r>
+              <a:rPr lang="de-DE" dirty="0" err="1"/>
+              <a:t>It</a:t>
             </a:r>
             <a:r>
               <a:rPr lang="de-DE" dirty="0"/>
@@ -6150,99 +7680,12 @@
             </a:r>
             <a:r>
               <a:rPr lang="de-DE" dirty="0" err="1"/>
-              <a:t>execuction</a:t>
+              <a:t>is</a:t>
             </a:r>
             <a:r>
               <a:rPr lang="de-DE" dirty="0"/>
-              <a:t> (</a:t>
-            </a:r>
-            <a:r>
-              <a:rPr lang="de-DE" dirty="0" err="1"/>
-              <a:t>since</a:t>
-            </a:r>
-            <a:r>
-              <a:rPr lang="de-DE" dirty="0"/>
-              <a:t> </a:t>
-            </a:r>
-            <a:r>
-              <a:rPr lang="de-DE" dirty="0" err="1"/>
-              <a:t>we</a:t>
-            </a:r>
-            <a:r>
-              <a:rPr lang="de-DE" dirty="0"/>
-              <a:t> </a:t>
-            </a:r>
-            <a:r>
-              <a:rPr lang="de-DE" dirty="0" err="1"/>
-              <a:t>weren‘t</a:t>
-            </a:r>
-            <a:r>
-              <a:rPr lang="de-DE" dirty="0"/>
-              <a:t> </a:t>
-            </a:r>
-            <a:r>
-              <a:rPr lang="de-DE" dirty="0" err="1"/>
-              <a:t>allowed</a:t>
-            </a:r>
-            <a:r>
-              <a:rPr lang="de-DE" dirty="0"/>
-              <a:t> </a:t>
-            </a:r>
-            <a:r>
-              <a:rPr lang="de-DE" dirty="0" err="1"/>
-              <a:t>to</a:t>
-            </a:r>
-            <a:r>
-              <a:rPr lang="de-DE" dirty="0"/>
-              <a:t> </a:t>
-            </a:r>
-            <a:r>
-              <a:rPr lang="de-DE" dirty="0" err="1"/>
-              <a:t>implement</a:t>
-            </a:r>
-            <a:r>
-              <a:rPr lang="de-DE" dirty="0"/>
-              <a:t> </a:t>
-            </a:r>
-            <a:r>
-              <a:rPr lang="de-DE" dirty="0" err="1"/>
-              <a:t>Graphical</a:t>
-            </a:r>
-            <a:r>
-              <a:rPr lang="de-DE" dirty="0"/>
-              <a:t> User Interface</a:t>
-            </a:r>
-          </a:p>
-          <a:p>
-            <a:r>
-              <a:rPr lang="de-DE" dirty="0" err="1"/>
-              <a:t>It</a:t>
-            </a:r>
-            <a:r>
-              <a:rPr lang="de-DE" dirty="0"/>
-              <a:t> </a:t>
-            </a:r>
-            <a:r>
-              <a:rPr lang="de-DE" dirty="0" err="1"/>
-              <a:t>is</a:t>
-            </a:r>
-            <a:r>
-              <a:rPr lang="de-DE" dirty="0"/>
-              <a:t> a </a:t>
-            </a:r>
-            <a:r>
-              <a:rPr lang="de-DE" dirty="0" err="1"/>
-              <a:t>korean</a:t>
-            </a:r>
-            <a:r>
-              <a:rPr lang="de-DE" dirty="0"/>
-              <a:t> </a:t>
-            </a:r>
-            <a:r>
-              <a:rPr lang="de-DE" dirty="0" err="1"/>
-              <a:t>game</a:t>
-            </a:r>
-            <a:endParaRPr lang="de-DE" dirty="0"/>
+              <a:t> a Korean game</a:t>
+            </a:r>
           </a:p>
         </p:txBody>
       </p:sp>
@@ -6873,7 +8316,7 @@
               <a:rPr lang="de-DE" sz="2800" dirty="0">
                 <a:latin typeface="Garamond" panose="02020404030301010803" pitchFamily="18" charset="0"/>
               </a:rPr>
-              <a:t> GUI, so </a:t>
+              <a:t> a GUI, so </a:t>
             </a:r>
             <a:r>
               <a:rPr lang="de-DE" sz="2800" dirty="0" err="1">
@@ -6992,6 +8435,785 @@
     <p:extLst>
       <p:ext uri="{BB962C8B-B14F-4D97-AF65-F5344CB8AC3E}">
         <p14:creationId xmlns:p14="http://schemas.microsoft.com/office/powerpoint/2010/main" val="4043739484"/>
+      </p:ext>
+    </p:extLst>
+  </p:cSld>
+  <p:clrMapOvr>
+    <a:masterClrMapping/>
+  </p:clrMapOvr>
+</p:sld>
+</file>
+
+<file path=ppt/slides/slide4.xml><?xml version="1.0" encoding="utf-8"?>
+<p:sld xmlns:a="http://schemas.openxmlformats.org/drawingml/2006/main" xmlns:r="http://schemas.openxmlformats.org/officeDocument/2006/relationships" xmlns:p="http://schemas.openxmlformats.org/presentationml/2006/main">
+  <p:cSld>
+    <p:spTree>
+      <p:nvGrpSpPr>
+        <p:cNvPr id="1" name=""/>
+        <p:cNvGrpSpPr/>
+        <p:nvPr/>
+      </p:nvGrpSpPr>
+      <p:grpSpPr>
+        <a:xfrm>
+          <a:off x="0" y="0"/>
+          <a:ext cx="0" cy="0"/>
+          <a:chOff x="0" y="0"/>
+          <a:chExt cx="0" cy="0"/>
+        </a:xfrm>
+      </p:grpSpPr>
+      <p:sp>
+        <p:nvSpPr>
+          <p:cNvPr id="2" name="Tittel 1">
+            <a:extLst>
+              <a:ext uri="{FF2B5EF4-FFF2-40B4-BE49-F238E27FC236}">
+                <a16:creationId xmlns:a16="http://schemas.microsoft.com/office/drawing/2014/main" id="{28DA9945-BCC2-4E0D-ADCD-15B01BF25D4F}"/>
+              </a:ext>
+            </a:extLst>
+          </p:cNvPr>
+          <p:cNvSpPr>
+            <a:spLocks noGrp="1"/>
+          </p:cNvSpPr>
+          <p:nvPr>
+            <p:ph type="title"/>
+          </p:nvPr>
+        </p:nvSpPr>
+        <p:spPr/>
+        <p:txBody>
+          <a:bodyPr/>
+          <a:lstStyle/>
+          <a:p>
+            <a:r>
+              <a:rPr lang="en-GB" dirty="0"/>
+              <a:t>Program description</a:t>
+            </a:r>
+          </a:p>
+        </p:txBody>
+      </p:sp>
+      <p:sp>
+        <p:nvSpPr>
+          <p:cNvPr id="3" name="Plassholder for innhold 2">
+            <a:extLst>
+              <a:ext uri="{FF2B5EF4-FFF2-40B4-BE49-F238E27FC236}">
+                <a16:creationId xmlns:a16="http://schemas.microsoft.com/office/drawing/2014/main" id="{07D25D0B-2CB4-48A1-9B41-7D7D6C8856A8}"/>
+              </a:ext>
+            </a:extLst>
+          </p:cNvPr>
+          <p:cNvSpPr>
+            <a:spLocks noGrp="1"/>
+          </p:cNvSpPr>
+          <p:nvPr>
+            <p:ph idx="1"/>
+          </p:nvPr>
+        </p:nvSpPr>
+        <p:spPr/>
+        <p:txBody>
+          <a:bodyPr/>
+          <a:lstStyle/>
+          <a:p>
+            <a:r>
+              <a:rPr lang="en-GB" dirty="0"/>
+              <a:t>Terminal output:</a:t>
+            </a:r>
+          </a:p>
+        </p:txBody>
+      </p:sp>
+      <p:pic>
+        <p:nvPicPr>
+          <p:cNvPr id="4" name="Bilde 3">
+            <a:extLst>
+              <a:ext uri="{FF2B5EF4-FFF2-40B4-BE49-F238E27FC236}">
+                <a16:creationId xmlns:a16="http://schemas.microsoft.com/office/drawing/2014/main" id="{F57D9A80-1472-4216-A711-84B12DF4AFFB}"/>
+              </a:ext>
+            </a:extLst>
+          </p:cNvPr>
+          <p:cNvPicPr>
+            <a:picLocks noChangeAspect="1"/>
+          </p:cNvPicPr>
+          <p:nvPr/>
+        </p:nvPicPr>
+        <p:blipFill>
+          <a:blip r:embed="rId2"/>
+          <a:stretch>
+            <a:fillRect/>
+          </a:stretch>
+        </p:blipFill>
+        <p:spPr>
+          <a:xfrm>
+            <a:off x="619125" y="2819264"/>
+            <a:ext cx="10500360" cy="3536580"/>
+          </a:xfrm>
+          <a:prstGeom prst="rect">
+            <a:avLst/>
+          </a:prstGeom>
+        </p:spPr>
+      </p:pic>
+    </p:spTree>
+    <p:extLst>
+      <p:ext uri="{BB962C8B-B14F-4D97-AF65-F5344CB8AC3E}">
+        <p14:creationId xmlns:p14="http://schemas.microsoft.com/office/powerpoint/2010/main" val="536889515"/>
+      </p:ext>
+    </p:extLst>
+  </p:cSld>
+  <p:clrMapOvr>
+    <a:masterClrMapping/>
+  </p:clrMapOvr>
+</p:sld>
+</file>
+
+<file path=ppt/slides/slide5.xml><?xml version="1.0" encoding="utf-8"?>
+<p:sld xmlns:a="http://schemas.openxmlformats.org/drawingml/2006/main" xmlns:r="http://schemas.openxmlformats.org/officeDocument/2006/relationships" xmlns:p="http://schemas.openxmlformats.org/presentationml/2006/main">
+  <p:cSld>
+    <p:spTree>
+      <p:nvGrpSpPr>
+        <p:cNvPr id="1" name=""/>
+        <p:cNvGrpSpPr/>
+        <p:nvPr/>
+      </p:nvGrpSpPr>
+      <p:grpSpPr>
+        <a:xfrm>
+          <a:off x="0" y="0"/>
+          <a:ext cx="0" cy="0"/>
+          <a:chOff x="0" y="0"/>
+          <a:chExt cx="0" cy="0"/>
+        </a:xfrm>
+      </p:grpSpPr>
+      <p:sp>
+        <p:nvSpPr>
+          <p:cNvPr id="2" name="Tittel 1">
+            <a:extLst>
+              <a:ext uri="{FF2B5EF4-FFF2-40B4-BE49-F238E27FC236}">
+                <a16:creationId xmlns:a16="http://schemas.microsoft.com/office/drawing/2014/main" id="{AC139766-83D1-4B8B-AC09-092A3F1E93E0}"/>
+              </a:ext>
+            </a:extLst>
+          </p:cNvPr>
+          <p:cNvSpPr>
+            <a:spLocks noGrp="1"/>
+          </p:cNvSpPr>
+          <p:nvPr>
+            <p:ph type="title"/>
+          </p:nvPr>
+        </p:nvSpPr>
+        <p:spPr/>
+        <p:txBody>
+          <a:bodyPr/>
+          <a:lstStyle/>
+          <a:p>
+            <a:endParaRPr lang="en-GB"/>
+          </a:p>
+        </p:txBody>
+      </p:sp>
+      <p:pic>
+        <p:nvPicPr>
+          <p:cNvPr id="4" name="Plassholder for innhold 3">
+            <a:extLst>
+              <a:ext uri="{FF2B5EF4-FFF2-40B4-BE49-F238E27FC236}">
+                <a16:creationId xmlns:a16="http://schemas.microsoft.com/office/drawing/2014/main" id="{520791F4-455F-4149-94A0-78EA34CB50B3}"/>
+              </a:ext>
+            </a:extLst>
+          </p:cNvPr>
+          <p:cNvPicPr>
+            <a:picLocks noGrp="1" noChangeAspect="1"/>
+          </p:cNvPicPr>
+          <p:nvPr>
+            <p:ph idx="1"/>
+          </p:nvPr>
+        </p:nvPicPr>
+        <p:blipFill rotWithShape="1">
+          <a:blip r:embed="rId2"/>
+          <a:srcRect r="9579"/>
+          <a:stretch/>
+        </p:blipFill>
+        <p:spPr>
+          <a:xfrm>
+            <a:off x="177449" y="2289175"/>
+            <a:ext cx="3899251" cy="4024313"/>
+          </a:xfrm>
+          <a:prstGeom prst="rect">
+            <a:avLst/>
+          </a:prstGeom>
+        </p:spPr>
+      </p:pic>
+      <p:pic>
+        <p:nvPicPr>
+          <p:cNvPr id="5" name="Bilde 4">
+            <a:extLst>
+              <a:ext uri="{FF2B5EF4-FFF2-40B4-BE49-F238E27FC236}">
+                <a16:creationId xmlns:a16="http://schemas.microsoft.com/office/drawing/2014/main" id="{4A0D5DDD-0BDF-40A4-91C1-DDE01BEAC447}"/>
+              </a:ext>
+            </a:extLst>
+          </p:cNvPr>
+          <p:cNvPicPr>
+            <a:picLocks noChangeAspect="1"/>
+          </p:cNvPicPr>
+          <p:nvPr/>
+        </p:nvPicPr>
+        <p:blipFill>
+          <a:blip r:embed="rId3"/>
+          <a:stretch>
+            <a:fillRect/>
+          </a:stretch>
+        </p:blipFill>
+        <p:spPr>
+          <a:xfrm>
+            <a:off x="4219575" y="2289175"/>
+            <a:ext cx="3752850" cy="3979804"/>
+          </a:xfrm>
+          <a:prstGeom prst="rect">
+            <a:avLst/>
+          </a:prstGeom>
+        </p:spPr>
+      </p:pic>
+      <p:pic>
+        <p:nvPicPr>
+          <p:cNvPr id="6" name="Bilde 5">
+            <a:extLst>
+              <a:ext uri="{FF2B5EF4-FFF2-40B4-BE49-F238E27FC236}">
+                <a16:creationId xmlns:a16="http://schemas.microsoft.com/office/drawing/2014/main" id="{D9711868-F7F7-4A1B-A331-5BAF61F85FC0}"/>
+              </a:ext>
+            </a:extLst>
+          </p:cNvPr>
+          <p:cNvPicPr>
+            <a:picLocks noChangeAspect="1"/>
+          </p:cNvPicPr>
+          <p:nvPr/>
+        </p:nvPicPr>
+        <p:blipFill>
+          <a:blip r:embed="rId4"/>
+          <a:stretch>
+            <a:fillRect/>
+          </a:stretch>
+        </p:blipFill>
+        <p:spPr>
+          <a:xfrm>
+            <a:off x="8214706" y="2289175"/>
+            <a:ext cx="3558245" cy="3979804"/>
+          </a:xfrm>
+          <a:prstGeom prst="rect">
+            <a:avLst/>
+          </a:prstGeom>
+        </p:spPr>
+      </p:pic>
+    </p:spTree>
+    <p:extLst>
+      <p:ext uri="{BB962C8B-B14F-4D97-AF65-F5344CB8AC3E}">
+        <p14:creationId xmlns:p14="http://schemas.microsoft.com/office/powerpoint/2010/main" val="508915252"/>
+      </p:ext>
+    </p:extLst>
+  </p:cSld>
+  <p:clrMapOvr>
+    <a:masterClrMapping/>
+  </p:clrMapOvr>
+</p:sld>
+</file>
+
+<file path=ppt/slides/slide6.xml><?xml version="1.0" encoding="utf-8"?>
+<p:sld xmlns:a="http://schemas.openxmlformats.org/drawingml/2006/main" xmlns:r="http://schemas.openxmlformats.org/officeDocument/2006/relationships" xmlns:p="http://schemas.openxmlformats.org/presentationml/2006/main">
+  <p:cSld>
+    <p:spTree>
+      <p:nvGrpSpPr>
+        <p:cNvPr id="1" name=""/>
+        <p:cNvGrpSpPr/>
+        <p:nvPr/>
+      </p:nvGrpSpPr>
+      <p:grpSpPr>
+        <a:xfrm>
+          <a:off x="0" y="0"/>
+          <a:ext cx="0" cy="0"/>
+          <a:chOff x="0" y="0"/>
+          <a:chExt cx="0" cy="0"/>
+        </a:xfrm>
+      </p:grpSpPr>
+      <p:sp>
+        <p:nvSpPr>
+          <p:cNvPr id="2" name="Tittel 1">
+            <a:extLst>
+              <a:ext uri="{FF2B5EF4-FFF2-40B4-BE49-F238E27FC236}">
+                <a16:creationId xmlns:a16="http://schemas.microsoft.com/office/drawing/2014/main" id="{63858586-AB88-4414-AD63-D1CD83C668E6}"/>
+              </a:ext>
+            </a:extLst>
+          </p:cNvPr>
+          <p:cNvSpPr>
+            <a:spLocks noGrp="1"/>
+          </p:cNvSpPr>
+          <p:nvPr>
+            <p:ph type="title"/>
+          </p:nvPr>
+        </p:nvSpPr>
+        <p:spPr/>
+        <p:txBody>
+          <a:bodyPr/>
+          <a:lstStyle/>
+          <a:p>
+            <a:endParaRPr lang="en-GB"/>
+          </a:p>
+        </p:txBody>
+      </p:sp>
+      <p:pic>
+        <p:nvPicPr>
+          <p:cNvPr id="4" name="Plassholder for innhold 3">
+            <a:extLst>
+              <a:ext uri="{FF2B5EF4-FFF2-40B4-BE49-F238E27FC236}">
+                <a16:creationId xmlns:a16="http://schemas.microsoft.com/office/drawing/2014/main" id="{BE6CDD42-5CC8-4471-9C9D-6562234DF8EE}"/>
+              </a:ext>
+            </a:extLst>
+          </p:cNvPr>
+          <p:cNvPicPr>
+            <a:picLocks noGrp="1" noChangeAspect="1"/>
+          </p:cNvPicPr>
+          <p:nvPr>
+            <p:ph idx="1"/>
+          </p:nvPr>
+        </p:nvPicPr>
+        <p:blipFill>
+          <a:blip r:embed="rId2"/>
+          <a:stretch>
+            <a:fillRect/>
+          </a:stretch>
+        </p:blipFill>
+        <p:spPr>
+          <a:xfrm>
+            <a:off x="2449513" y="1274451"/>
+            <a:ext cx="7292974" cy="5097240"/>
+          </a:xfrm>
+          <a:prstGeom prst="rect">
+            <a:avLst/>
+          </a:prstGeom>
+        </p:spPr>
+      </p:pic>
+    </p:spTree>
+    <p:extLst>
+      <p:ext uri="{BB962C8B-B14F-4D97-AF65-F5344CB8AC3E}">
+        <p14:creationId xmlns:p14="http://schemas.microsoft.com/office/powerpoint/2010/main" val="2965242621"/>
+      </p:ext>
+    </p:extLst>
+  </p:cSld>
+  <p:clrMapOvr>
+    <a:masterClrMapping/>
+  </p:clrMapOvr>
+</p:sld>
+</file>
+
+<file path=ppt/slides/slide7.xml><?xml version="1.0" encoding="utf-8"?>
+<p:sld xmlns:a="http://schemas.openxmlformats.org/drawingml/2006/main" xmlns:r="http://schemas.openxmlformats.org/officeDocument/2006/relationships" xmlns:p="http://schemas.openxmlformats.org/presentationml/2006/main">
+  <p:cSld>
+    <p:spTree>
+      <p:nvGrpSpPr>
+        <p:cNvPr id="1" name=""/>
+        <p:cNvGrpSpPr/>
+        <p:nvPr/>
+      </p:nvGrpSpPr>
+      <p:grpSpPr>
+        <a:xfrm>
+          <a:off x="0" y="0"/>
+          <a:ext cx="0" cy="0"/>
+          <a:chOff x="0" y="0"/>
+          <a:chExt cx="0" cy="0"/>
+        </a:xfrm>
+      </p:grpSpPr>
+      <p:sp>
+        <p:nvSpPr>
+          <p:cNvPr id="2" name="Tittel 1">
+            <a:extLst>
+              <a:ext uri="{FF2B5EF4-FFF2-40B4-BE49-F238E27FC236}">
+                <a16:creationId xmlns:a16="http://schemas.microsoft.com/office/drawing/2014/main" id="{3089BAF8-135C-4163-B6D6-D59731C8339E}"/>
+              </a:ext>
+            </a:extLst>
+          </p:cNvPr>
+          <p:cNvSpPr>
+            <a:spLocks noGrp="1"/>
+          </p:cNvSpPr>
+          <p:nvPr>
+            <p:ph type="title"/>
+          </p:nvPr>
+        </p:nvSpPr>
+        <p:spPr/>
+        <p:txBody>
+          <a:bodyPr/>
+          <a:lstStyle/>
+          <a:p>
+            <a:endParaRPr lang="en-GB"/>
+          </a:p>
+        </p:txBody>
+      </p:sp>
+      <p:pic>
+        <p:nvPicPr>
+          <p:cNvPr id="4" name="Plassholder for innhold 3">
+            <a:extLst>
+              <a:ext uri="{FF2B5EF4-FFF2-40B4-BE49-F238E27FC236}">
+                <a16:creationId xmlns:a16="http://schemas.microsoft.com/office/drawing/2014/main" id="{D9DFD55E-4FCC-4AD6-9AEA-DC97368CEF36}"/>
+              </a:ext>
+            </a:extLst>
+          </p:cNvPr>
+          <p:cNvPicPr>
+            <a:picLocks noGrp="1" noChangeAspect="1"/>
+          </p:cNvPicPr>
+          <p:nvPr>
+            <p:ph idx="1"/>
+          </p:nvPr>
+        </p:nvPicPr>
+        <p:blipFill>
+          <a:blip r:embed="rId2"/>
+          <a:stretch>
+            <a:fillRect/>
+          </a:stretch>
+        </p:blipFill>
+        <p:spPr>
+          <a:xfrm>
+            <a:off x="1951741" y="1562100"/>
+            <a:ext cx="7973309" cy="4917337"/>
+          </a:xfrm>
+          <a:prstGeom prst="rect">
+            <a:avLst/>
+          </a:prstGeom>
+        </p:spPr>
+      </p:pic>
+    </p:spTree>
+    <p:extLst>
+      <p:ext uri="{BB962C8B-B14F-4D97-AF65-F5344CB8AC3E}">
+        <p14:creationId xmlns:p14="http://schemas.microsoft.com/office/powerpoint/2010/main" val="1443827307"/>
+      </p:ext>
+    </p:extLst>
+  </p:cSld>
+  <p:clrMapOvr>
+    <a:masterClrMapping/>
+  </p:clrMapOvr>
+</p:sld>
+</file>
+
+<file path=ppt/slides/slide8.xml><?xml version="1.0" encoding="utf-8"?>
+<p:sld xmlns:a="http://schemas.openxmlformats.org/drawingml/2006/main" xmlns:r="http://schemas.openxmlformats.org/officeDocument/2006/relationships" xmlns:p="http://schemas.openxmlformats.org/presentationml/2006/main">
+  <p:cSld>
+    <p:spTree>
+      <p:nvGrpSpPr>
+        <p:cNvPr id="1" name=""/>
+        <p:cNvGrpSpPr/>
+        <p:nvPr/>
+      </p:nvGrpSpPr>
+      <p:grpSpPr>
+        <a:xfrm>
+          <a:off x="0" y="0"/>
+          <a:ext cx="0" cy="0"/>
+          <a:chOff x="0" y="0"/>
+          <a:chExt cx="0" cy="0"/>
+        </a:xfrm>
+      </p:grpSpPr>
+      <p:sp>
+        <p:nvSpPr>
+          <p:cNvPr id="2" name="Tittel 1">
+            <a:extLst>
+              <a:ext uri="{FF2B5EF4-FFF2-40B4-BE49-F238E27FC236}">
+                <a16:creationId xmlns:a16="http://schemas.microsoft.com/office/drawing/2014/main" id="{46087301-CA18-415D-99EF-9E933441265C}"/>
+              </a:ext>
+            </a:extLst>
+          </p:cNvPr>
+          <p:cNvSpPr>
+            <a:spLocks noGrp="1"/>
+          </p:cNvSpPr>
+          <p:nvPr>
+            <p:ph type="title"/>
+          </p:nvPr>
+        </p:nvSpPr>
+        <p:spPr>
+          <a:xfrm>
+            <a:off x="2895600" y="488148"/>
+            <a:ext cx="8610600" cy="1293028"/>
+          </a:xfrm>
+        </p:spPr>
+        <p:txBody>
+          <a:bodyPr/>
+          <a:lstStyle/>
+          <a:p>
+            <a:r>
+              <a:rPr lang="en-GB" dirty="0"/>
+              <a:t>Main class</a:t>
+            </a:r>
+          </a:p>
+        </p:txBody>
+      </p:sp>
+      <p:pic>
+        <p:nvPicPr>
+          <p:cNvPr id="4" name="Plassholder for innhold 3">
+            <a:extLst>
+              <a:ext uri="{FF2B5EF4-FFF2-40B4-BE49-F238E27FC236}">
+                <a16:creationId xmlns:a16="http://schemas.microsoft.com/office/drawing/2014/main" id="{593E1073-9EBB-4E25-994D-2FF8C139A440}"/>
+              </a:ext>
+            </a:extLst>
+          </p:cNvPr>
+          <p:cNvPicPr>
+            <a:picLocks noGrp="1" noChangeAspect="1"/>
+          </p:cNvPicPr>
+          <p:nvPr>
+            <p:ph idx="1"/>
+          </p:nvPr>
+        </p:nvPicPr>
+        <p:blipFill>
+          <a:blip r:embed="rId2"/>
+          <a:stretch>
+            <a:fillRect/>
+          </a:stretch>
+        </p:blipFill>
+        <p:spPr>
+          <a:xfrm>
+            <a:off x="4242359" y="1704976"/>
+            <a:ext cx="7816789" cy="4884738"/>
+          </a:xfrm>
+          <a:prstGeom prst="rect">
+            <a:avLst/>
+          </a:prstGeom>
+        </p:spPr>
+      </p:pic>
+      <p:sp>
+        <p:nvSpPr>
+          <p:cNvPr id="5" name="Rektangel 4">
+            <a:extLst>
+              <a:ext uri="{FF2B5EF4-FFF2-40B4-BE49-F238E27FC236}">
+                <a16:creationId xmlns:a16="http://schemas.microsoft.com/office/drawing/2014/main" id="{2BF88B21-0053-4D87-A8AD-AFCDFA14C7BB}"/>
+              </a:ext>
+            </a:extLst>
+          </p:cNvPr>
+          <p:cNvSpPr/>
+          <p:nvPr/>
+        </p:nvSpPr>
+        <p:spPr>
+          <a:xfrm>
+            <a:off x="132852" y="1997839"/>
+            <a:ext cx="4219015" cy="2862322"/>
+          </a:xfrm>
+          <a:prstGeom prst="rect">
+            <a:avLst/>
+          </a:prstGeom>
+        </p:spPr>
+        <p:txBody>
+          <a:bodyPr wrap="square">
+            <a:spAutoFit/>
+          </a:bodyPr>
+          <a:lstStyle/>
+          <a:p>
+            <a:pPr marL="285750" indent="-285750">
+              <a:lnSpc>
+                <a:spcPct val="150000"/>
+              </a:lnSpc>
+              <a:buFontTx/>
+              <a:buChar char="-"/>
+            </a:pPr>
+            <a:r>
+              <a:rPr lang="en-US" dirty="0">
+                <a:latin typeface="+mj-lt"/>
+                <a:ea typeface="Calibri" panose="020F0502020204030204" pitchFamily="34" charset="0"/>
+                <a:cs typeface="Times New Roman" panose="02020603050405020304" pitchFamily="18" charset="0"/>
+              </a:rPr>
+              <a:t>Contains the driving code</a:t>
+            </a:r>
+          </a:p>
+          <a:p>
+            <a:pPr marL="285750" indent="-285750">
+              <a:lnSpc>
+                <a:spcPct val="150000"/>
+              </a:lnSpc>
+              <a:buFontTx/>
+              <a:buChar char="-"/>
+            </a:pPr>
+            <a:endParaRPr lang="en-US" dirty="0">
+              <a:latin typeface="+mj-lt"/>
+              <a:ea typeface="Calibri" panose="020F0502020204030204" pitchFamily="34" charset="0"/>
+              <a:cs typeface="Times New Roman" panose="02020603050405020304" pitchFamily="18" charset="0"/>
+            </a:endParaRPr>
+          </a:p>
+          <a:p>
+            <a:pPr marL="285750" indent="-285750">
+              <a:lnSpc>
+                <a:spcPct val="150000"/>
+              </a:lnSpc>
+              <a:buFontTx/>
+              <a:buChar char="-"/>
+            </a:pPr>
+            <a:r>
+              <a:rPr lang="en-US" dirty="0">
+                <a:latin typeface="+mj-lt"/>
+                <a:ea typeface="Calibri" panose="020F0502020204030204" pitchFamily="34" charset="0"/>
+                <a:cs typeface="Times New Roman" panose="02020603050405020304" pitchFamily="18" charset="0"/>
+              </a:rPr>
+              <a:t>The main method runs through a infinite loop which presents the user with the main menu and the different alternatives. </a:t>
+            </a:r>
+          </a:p>
+          <a:p>
+            <a:pPr marL="285750" indent="-285750">
+              <a:buFontTx/>
+              <a:buChar char="-"/>
+            </a:pPr>
+            <a:endParaRPr lang="en-GB" dirty="0"/>
+          </a:p>
+        </p:txBody>
+      </p:sp>
+    </p:spTree>
+    <p:extLst>
+      <p:ext uri="{BB962C8B-B14F-4D97-AF65-F5344CB8AC3E}">
+        <p14:creationId xmlns:p14="http://schemas.microsoft.com/office/powerpoint/2010/main" val="3104783458"/>
+      </p:ext>
+    </p:extLst>
+  </p:cSld>
+  <p:clrMapOvr>
+    <a:masterClrMapping/>
+  </p:clrMapOvr>
+</p:sld>
+</file>
+
+<file path=ppt/slides/slide9.xml><?xml version="1.0" encoding="utf-8"?>
+<p:sld xmlns:a="http://schemas.openxmlformats.org/drawingml/2006/main" xmlns:r="http://schemas.openxmlformats.org/officeDocument/2006/relationships" xmlns:p="http://schemas.openxmlformats.org/presentationml/2006/main">
+  <p:cSld>
+    <p:spTree>
+      <p:nvGrpSpPr>
+        <p:cNvPr id="1" name=""/>
+        <p:cNvGrpSpPr/>
+        <p:nvPr/>
+      </p:nvGrpSpPr>
+      <p:grpSpPr>
+        <a:xfrm>
+          <a:off x="0" y="0"/>
+          <a:ext cx="0" cy="0"/>
+          <a:chOff x="0" y="0"/>
+          <a:chExt cx="0" cy="0"/>
+        </a:xfrm>
+      </p:grpSpPr>
+      <p:sp>
+        <p:nvSpPr>
+          <p:cNvPr id="2" name="Tittel 1">
+            <a:extLst>
+              <a:ext uri="{FF2B5EF4-FFF2-40B4-BE49-F238E27FC236}">
+                <a16:creationId xmlns:a16="http://schemas.microsoft.com/office/drawing/2014/main" id="{D5A1A299-A0A5-4273-ACB2-47E76755EA6E}"/>
+              </a:ext>
+            </a:extLst>
+          </p:cNvPr>
+          <p:cNvSpPr>
+            <a:spLocks noGrp="1"/>
+          </p:cNvSpPr>
+          <p:nvPr>
+            <p:ph type="title"/>
+          </p:nvPr>
+        </p:nvSpPr>
+        <p:spPr>
+          <a:xfrm>
+            <a:off x="2895600" y="507198"/>
+            <a:ext cx="8610600" cy="1293028"/>
+          </a:xfrm>
+        </p:spPr>
+        <p:txBody>
+          <a:bodyPr/>
+          <a:lstStyle/>
+          <a:p>
+            <a:r>
+              <a:rPr lang="en-GB" dirty="0"/>
+              <a:t>Board class</a:t>
+            </a:r>
+          </a:p>
+        </p:txBody>
+      </p:sp>
+      <p:sp>
+        <p:nvSpPr>
+          <p:cNvPr id="3" name="Plassholder for innhold 2">
+            <a:extLst>
+              <a:ext uri="{FF2B5EF4-FFF2-40B4-BE49-F238E27FC236}">
+                <a16:creationId xmlns:a16="http://schemas.microsoft.com/office/drawing/2014/main" id="{E77DACA2-EFB1-416A-A50F-97394301B3B0}"/>
+              </a:ext>
+            </a:extLst>
+          </p:cNvPr>
+          <p:cNvSpPr>
+            <a:spLocks noGrp="1"/>
+          </p:cNvSpPr>
+          <p:nvPr>
+            <p:ph idx="1"/>
+          </p:nvPr>
+        </p:nvSpPr>
+        <p:spPr>
+          <a:xfrm>
+            <a:off x="6896099" y="1752700"/>
+            <a:ext cx="5514975" cy="2171700"/>
+          </a:xfrm>
+        </p:spPr>
+        <p:txBody>
+          <a:bodyPr/>
+          <a:lstStyle/>
+          <a:p>
+            <a:r>
+              <a:rPr lang="en-GB" dirty="0"/>
+              <a:t>Constructs and displays the board</a:t>
+            </a:r>
+          </a:p>
+          <a:p>
+            <a:endParaRPr lang="en-GB" dirty="0"/>
+          </a:p>
+          <a:p>
+            <a:r>
+              <a:rPr lang="en-GB" dirty="0"/>
+              <a:t>Inserts stones into the board</a:t>
+            </a:r>
+          </a:p>
+        </p:txBody>
+      </p:sp>
+      <p:pic>
+        <p:nvPicPr>
+          <p:cNvPr id="4" name="Bilde 3">
+            <a:extLst>
+              <a:ext uri="{FF2B5EF4-FFF2-40B4-BE49-F238E27FC236}">
+                <a16:creationId xmlns:a16="http://schemas.microsoft.com/office/drawing/2014/main" id="{8572BAF5-B9E8-40C3-BC5A-A7A38A208617}"/>
+              </a:ext>
+            </a:extLst>
+          </p:cNvPr>
+          <p:cNvPicPr>
+            <a:picLocks noChangeAspect="1"/>
+          </p:cNvPicPr>
+          <p:nvPr/>
+        </p:nvPicPr>
+        <p:blipFill>
+          <a:blip r:embed="rId2"/>
+          <a:stretch>
+            <a:fillRect/>
+          </a:stretch>
+        </p:blipFill>
+        <p:spPr>
+          <a:xfrm>
+            <a:off x="85725" y="1556526"/>
+            <a:ext cx="6638925" cy="5091924"/>
+          </a:xfrm>
+          <a:prstGeom prst="rect">
+            <a:avLst/>
+          </a:prstGeom>
+        </p:spPr>
+      </p:pic>
+      <p:pic>
+        <p:nvPicPr>
+          <p:cNvPr id="5" name="Bilde 4">
+            <a:extLst>
+              <a:ext uri="{FF2B5EF4-FFF2-40B4-BE49-F238E27FC236}">
+                <a16:creationId xmlns:a16="http://schemas.microsoft.com/office/drawing/2014/main" id="{C151C963-D6E5-407B-8DEC-F11874192C99}"/>
+              </a:ext>
+            </a:extLst>
+          </p:cNvPr>
+          <p:cNvPicPr>
+            <a:picLocks noChangeAspect="1"/>
+          </p:cNvPicPr>
+          <p:nvPr/>
+        </p:nvPicPr>
+        <p:blipFill>
+          <a:blip r:embed="rId3"/>
+          <a:stretch>
+            <a:fillRect/>
+          </a:stretch>
+        </p:blipFill>
+        <p:spPr>
+          <a:xfrm>
+            <a:off x="6762750" y="3933925"/>
+            <a:ext cx="5429250" cy="2679094"/>
+          </a:xfrm>
+          <a:prstGeom prst="rect">
+            <a:avLst/>
+          </a:prstGeom>
+        </p:spPr>
+      </p:pic>
+    </p:spTree>
+    <p:extLst>
+      <p:ext uri="{BB962C8B-B14F-4D97-AF65-F5344CB8AC3E}">
+        <p14:creationId xmlns:p14="http://schemas.microsoft.com/office/powerpoint/2010/main" val="1655883956"/>
       </p:ext>
     </p:extLst>
   </p:cSld>

--- a/Presentation-Gomoku.pptx
+++ b/Presentation-Gomoku.pptx
@@ -14,13 +14,14 @@
     <p:sldId id="271" r:id="rId8"/>
     <p:sldId id="261" r:id="rId9"/>
     <p:sldId id="260" r:id="rId10"/>
-    <p:sldId id="262" r:id="rId11"/>
-    <p:sldId id="263" r:id="rId12"/>
+    <p:sldId id="263" r:id="rId11"/>
+    <p:sldId id="262" r:id="rId12"/>
     <p:sldId id="264" r:id="rId13"/>
-    <p:sldId id="265" r:id="rId14"/>
-    <p:sldId id="266" r:id="rId15"/>
-    <p:sldId id="267" r:id="rId16"/>
-    <p:sldId id="268" r:id="rId17"/>
+    <p:sldId id="272" r:id="rId14"/>
+    <p:sldId id="265" r:id="rId15"/>
+    <p:sldId id="266" r:id="rId16"/>
+    <p:sldId id="267" r:id="rId17"/>
+    <p:sldId id="268" r:id="rId18"/>
   </p:sldIdLst>
   <p:sldSz cx="12192000" cy="6858000"/>
   <p:notesSz cx="6858000" cy="9144000"/>
@@ -297,7 +298,7 @@
           <a:p>
             <a:fld id="{48A87A34-81AB-432B-8DAE-1953F412C126}" type="datetimeFigureOut">
               <a:rPr lang="en-US" dirty="0"/>
-              <a:t>6/8/2019</a:t>
+              <a:t>6/10/2019</a:t>
             </a:fld>
             <a:endParaRPr lang="en-US" dirty="0"/>
           </a:p>
@@ -559,7 +560,7 @@
           <a:p>
             <a:fld id="{48A87A34-81AB-432B-8DAE-1953F412C126}" type="datetimeFigureOut">
               <a:rPr lang="en-US" dirty="0"/>
-              <a:t>6/8/2019</a:t>
+              <a:t>6/10/2019</a:t>
             </a:fld>
             <a:endParaRPr lang="en-US" dirty="0"/>
           </a:p>
@@ -786,7 +787,7 @@
             <a:fld id="{48A87A34-81AB-432B-8DAE-1953F412C126}" type="datetimeFigureOut">
               <a:rPr lang="en-US" dirty="0"/>
               <a:pPr/>
-              <a:t>6/8/2019</a:t>
+              <a:t>6/10/2019</a:t>
             </a:fld>
             <a:endParaRPr lang="en-US" dirty="0"/>
           </a:p>
@@ -1092,7 +1093,7 @@
             <a:fld id="{48A87A34-81AB-432B-8DAE-1953F412C126}" type="datetimeFigureOut">
               <a:rPr lang="en-US" dirty="0"/>
               <a:pPr/>
-              <a:t>6/8/2019</a:t>
+              <a:t>6/10/2019</a:t>
             </a:fld>
             <a:endParaRPr lang="en-US" dirty="0"/>
           </a:p>
@@ -1561,7 +1562,7 @@
             <a:fld id="{48A87A34-81AB-432B-8DAE-1953F412C126}" type="datetimeFigureOut">
               <a:rPr lang="en-US" dirty="0"/>
               <a:pPr/>
-              <a:t>6/8/2019</a:t>
+              <a:t>6/10/2019</a:t>
             </a:fld>
             <a:endParaRPr lang="en-US" dirty="0"/>
           </a:p>
@@ -2103,7 +2104,7 @@
           <a:p>
             <a:fld id="{48A87A34-81AB-432B-8DAE-1953F412C126}" type="datetimeFigureOut">
               <a:rPr lang="en-US" dirty="0"/>
-              <a:t>6/8/2019</a:t>
+              <a:t>6/10/2019</a:t>
             </a:fld>
             <a:endParaRPr lang="en-US" dirty="0"/>
           </a:p>
@@ -2872,7 +2873,7 @@
           <a:p>
             <a:fld id="{48A87A34-81AB-432B-8DAE-1953F412C126}" type="datetimeFigureOut">
               <a:rPr lang="en-US" dirty="0"/>
-              <a:t>6/8/2019</a:t>
+              <a:t>6/10/2019</a:t>
             </a:fld>
             <a:endParaRPr lang="en-US" dirty="0"/>
           </a:p>
@@ -3042,7 +3043,7 @@
           <a:p>
             <a:fld id="{48A87A34-81AB-432B-8DAE-1953F412C126}" type="datetimeFigureOut">
               <a:rPr lang="en-US" dirty="0"/>
-              <a:t>6/8/2019</a:t>
+              <a:t>6/10/2019</a:t>
             </a:fld>
             <a:endParaRPr lang="en-US" dirty="0"/>
           </a:p>
@@ -3261,7 +3262,7 @@
             <a:fld id="{48A87A34-81AB-432B-8DAE-1953F412C126}" type="datetimeFigureOut">
               <a:rPr lang="en-US" dirty="0"/>
               <a:pPr/>
-              <a:t>6/8/2019</a:t>
+              <a:t>6/10/2019</a:t>
             </a:fld>
             <a:endParaRPr lang="en-US" dirty="0"/>
           </a:p>
@@ -3436,7 +3437,7 @@
           <a:p>
             <a:fld id="{48A87A34-81AB-432B-8DAE-1953F412C126}" type="datetimeFigureOut">
               <a:rPr lang="en-US" dirty="0"/>
-              <a:t>6/8/2019</a:t>
+              <a:t>6/10/2019</a:t>
             </a:fld>
             <a:endParaRPr lang="en-US" dirty="0"/>
           </a:p>
@@ -3721,7 +3722,7 @@
             <a:fld id="{48A87A34-81AB-432B-8DAE-1953F412C126}" type="datetimeFigureOut">
               <a:rPr lang="en-US" dirty="0"/>
               <a:pPr/>
-              <a:t>6/8/2019</a:t>
+              <a:t>6/10/2019</a:t>
             </a:fld>
             <a:endParaRPr lang="en-US" dirty="0"/>
           </a:p>
@@ -3958,7 +3959,7 @@
           <a:p>
             <a:fld id="{48A87A34-81AB-432B-8DAE-1953F412C126}" type="datetimeFigureOut">
               <a:rPr lang="en-US" dirty="0"/>
-              <a:t>6/8/2019</a:t>
+              <a:t>6/10/2019</a:t>
             </a:fld>
             <a:endParaRPr lang="en-US" dirty="0"/>
           </a:p>
@@ -4332,7 +4333,7 @@
           <a:p>
             <a:fld id="{48A87A34-81AB-432B-8DAE-1953F412C126}" type="datetimeFigureOut">
               <a:rPr lang="en-US" dirty="0"/>
-              <a:t>6/8/2019</a:t>
+              <a:t>6/10/2019</a:t>
             </a:fld>
             <a:endParaRPr lang="en-US" dirty="0"/>
           </a:p>
@@ -4445,7 +4446,7 @@
           <a:p>
             <a:fld id="{48A87A34-81AB-432B-8DAE-1953F412C126}" type="datetimeFigureOut">
               <a:rPr lang="en-US" dirty="0"/>
-              <a:t>6/8/2019</a:t>
+              <a:t>6/10/2019</a:t>
             </a:fld>
             <a:endParaRPr lang="en-US" dirty="0"/>
           </a:p>
@@ -4535,7 +4536,7 @@
           <a:p>
             <a:fld id="{48A87A34-81AB-432B-8DAE-1953F412C126}" type="datetimeFigureOut">
               <a:rPr lang="en-US" dirty="0"/>
-              <a:t>6/8/2019</a:t>
+              <a:t>6/10/2019</a:t>
             </a:fld>
             <a:endParaRPr lang="en-US" dirty="0"/>
           </a:p>
@@ -4779,7 +4780,7 @@
           <a:p>
             <a:fld id="{48A87A34-81AB-432B-8DAE-1953F412C126}" type="datetimeFigureOut">
               <a:rPr lang="en-US" dirty="0"/>
-              <a:t>6/8/2019</a:t>
+              <a:t>6/10/2019</a:t>
             </a:fld>
             <a:endParaRPr lang="en-US" dirty="0"/>
           </a:p>
@@ -5031,7 +5032,7 @@
           <a:p>
             <a:fld id="{48A87A34-81AB-432B-8DAE-1953F412C126}" type="datetimeFigureOut">
               <a:rPr lang="en-US" dirty="0"/>
-              <a:t>6/8/2019</a:t>
+              <a:t>6/10/2019</a:t>
             </a:fld>
             <a:endParaRPr lang="en-US" dirty="0"/>
           </a:p>
@@ -5270,7 +5271,7 @@
             <a:fld id="{48A87A34-81AB-432B-8DAE-1953F412C126}" type="datetimeFigureOut">
               <a:rPr lang="en-US" dirty="0"/>
               <a:pPr/>
-              <a:t>6/8/2019</a:t>
+              <a:t>6/10/2019</a:t>
             </a:fld>
             <a:endParaRPr lang="en-US" dirty="0"/>
           </a:p>
@@ -5773,7 +5774,7 @@
               <a:rPr lang="de-DE" sz="2800" b="1" dirty="0">
                 <a:latin typeface="Garamond" panose="02020404030301010803" pitchFamily="18" charset="0"/>
               </a:rPr>
-              <a:t>Java </a:t>
+              <a:t>Team 3: Java </a:t>
             </a:r>
             <a:r>
               <a:rPr lang="de-DE" sz="2800" b="1" dirty="0" err="1">
@@ -5821,19 +5822,7 @@
               <a:rPr lang="de-DE" sz="2800" b="1" dirty="0">
                 <a:latin typeface="Garamond" panose="02020404030301010803" pitchFamily="18" charset="0"/>
               </a:rPr>
-              <a:t> </a:t>
-            </a:r>
-            <a:r>
-              <a:rPr lang="de-DE" sz="2800" b="1" dirty="0" err="1">
-                <a:latin typeface="Garamond" panose="02020404030301010803" pitchFamily="18" charset="0"/>
-              </a:rPr>
-              <a:t>game</a:t>
-            </a:r>
-            <a:r>
-              <a:rPr lang="de-DE" sz="2800" b="1" dirty="0">
-                <a:latin typeface="Garamond" panose="02020404030301010803" pitchFamily="18" charset="0"/>
-              </a:rPr>
-              <a:t> ( </a:t>
+              <a:t> game ( </a:t>
             </a:r>
             <a:r>
               <a:rPr lang="de-DE" sz="2800" b="1" dirty="0" err="1">
@@ -5918,11 +5907,14 @@
               <a:rPr lang="de-DE" sz="2800" dirty="0" err="1">
                 <a:latin typeface="Garamond" panose="02020404030301010803" pitchFamily="18" charset="0"/>
               </a:rPr>
-              <a:t>Ojin</a:t>
-            </a:r>
-            <a:endParaRPr lang="de-DE" sz="2800" dirty="0">
-              <a:latin typeface="Garamond" panose="02020404030301010803" pitchFamily="18" charset="0"/>
-            </a:endParaRPr>
+              <a:t>Woojin</a:t>
+            </a:r>
+            <a:r>
+              <a:rPr lang="de-DE" sz="2800" dirty="0">
+                <a:latin typeface="Garamond" panose="02020404030301010803" pitchFamily="18" charset="0"/>
+              </a:rPr>
+              <a:t> Kim</a:t>
+            </a:r>
           </a:p>
           <a:p>
             <a:endParaRPr lang="de-DE" dirty="0"/>
@@ -5964,7 +5956,7 @@
           <p:cNvPr id="2" name="Tittel 1">
             <a:extLst>
               <a:ext uri="{FF2B5EF4-FFF2-40B4-BE49-F238E27FC236}">
-                <a16:creationId xmlns:a16="http://schemas.microsoft.com/office/drawing/2014/main" id="{FD45CE08-B758-4DDB-A9BC-95FFF34B9600}"/>
+                <a16:creationId xmlns:a16="http://schemas.microsoft.com/office/drawing/2014/main" id="{F002D872-FB0F-4DB3-9C26-13A35CECD949}"/>
               </a:ext>
             </a:extLst>
           </p:cNvPr>
@@ -5975,29 +5967,24 @@
             <p:ph type="title"/>
           </p:nvPr>
         </p:nvSpPr>
-        <p:spPr>
-          <a:xfrm>
-            <a:off x="2895600" y="354798"/>
-            <a:ext cx="8610600" cy="1293028"/>
-          </a:xfrm>
-        </p:spPr>
+        <p:spPr/>
         <p:txBody>
           <a:bodyPr/>
           <a:lstStyle/>
           <a:p>
             <a:r>
               <a:rPr lang="en-GB" dirty="0"/>
-              <a:t>Move class</a:t>
+              <a:t>Ranking class</a:t>
             </a:r>
           </a:p>
         </p:txBody>
       </p:sp>
       <p:pic>
         <p:nvPicPr>
-          <p:cNvPr id="6" name="Plassholder for innhold 5">
+          <p:cNvPr id="5" name="Plassholder for innhold 4">
             <a:extLst>
               <a:ext uri="{FF2B5EF4-FFF2-40B4-BE49-F238E27FC236}">
-                <a16:creationId xmlns:a16="http://schemas.microsoft.com/office/drawing/2014/main" id="{6EBD19B3-194B-4240-9B80-449CE34FD53E}"/>
+                <a16:creationId xmlns:a16="http://schemas.microsoft.com/office/drawing/2014/main" id="{7C61A974-823D-45BD-8A4D-67B1CDB84784}"/>
               </a:ext>
             </a:extLst>
           </p:cNvPr>
@@ -6008,15 +5995,16 @@
             <p:ph idx="1"/>
           </p:nvPr>
         </p:nvPicPr>
-        <p:blipFill rotWithShape="1">
+        <p:blipFill>
           <a:blip r:embed="rId2"/>
-          <a:srcRect b="20244"/>
-          <a:stretch/>
+          <a:stretch>
+            <a:fillRect/>
+          </a:stretch>
         </p:blipFill>
         <p:spPr>
           <a:xfrm>
-            <a:off x="7097769" y="4087541"/>
-            <a:ext cx="4032983" cy="2702726"/>
+            <a:off x="5439256" y="1810233"/>
+            <a:ext cx="6691581" cy="2600902"/>
           </a:xfrm>
           <a:prstGeom prst="rect">
             <a:avLst/>
@@ -6028,7 +6016,7 @@
           <p:cNvPr id="4" name="Bilde 3">
             <a:extLst>
               <a:ext uri="{FF2B5EF4-FFF2-40B4-BE49-F238E27FC236}">
-                <a16:creationId xmlns:a16="http://schemas.microsoft.com/office/drawing/2014/main" id="{E5A65D30-DF48-4E5A-AB38-CEA37484282D}"/>
+                <a16:creationId xmlns:a16="http://schemas.microsoft.com/office/drawing/2014/main" id="{E51BE132-74B5-44FE-B80F-3032AA3B5CCF}"/>
               </a:ext>
             </a:extLst>
           </p:cNvPr>
@@ -6037,15 +6025,16 @@
           </p:cNvPicPr>
           <p:nvPr/>
         </p:nvPicPr>
-        <p:blipFill rotWithShape="1">
+        <p:blipFill>
           <a:blip r:embed="rId3"/>
-          <a:srcRect l="906"/>
-          <a:stretch/>
+          <a:stretch>
+            <a:fillRect/>
+          </a:stretch>
         </p:blipFill>
         <p:spPr>
           <a:xfrm>
-            <a:off x="180975" y="1487813"/>
-            <a:ext cx="6411969" cy="3882374"/>
+            <a:off x="76200" y="1810233"/>
+            <a:ext cx="5221397" cy="2991907"/>
           </a:xfrm>
           <a:prstGeom prst="rect">
             <a:avLst/>
@@ -6054,10 +6043,10 @@
       </p:pic>
       <p:pic>
         <p:nvPicPr>
-          <p:cNvPr id="5" name="Bilde 4">
+          <p:cNvPr id="6" name="Bilde 5">
             <a:extLst>
               <a:ext uri="{FF2B5EF4-FFF2-40B4-BE49-F238E27FC236}">
-                <a16:creationId xmlns:a16="http://schemas.microsoft.com/office/drawing/2014/main" id="{5F84D43E-4612-4CF0-B77E-1E864EC8C2E2}"/>
+                <a16:creationId xmlns:a16="http://schemas.microsoft.com/office/drawing/2014/main" id="{964872B0-E470-4CE7-92B0-6C277B97B473}"/>
               </a:ext>
             </a:extLst>
           </p:cNvPr>
@@ -6074,8 +6063,8 @@
         </p:blipFill>
         <p:spPr>
           <a:xfrm>
-            <a:off x="7097769" y="1487813"/>
-            <a:ext cx="4913256" cy="2526498"/>
+            <a:off x="5439256" y="4538135"/>
+            <a:ext cx="6382231" cy="2142082"/>
           </a:xfrm>
           <a:prstGeom prst="rect">
             <a:avLst/>
@@ -6087,7 +6076,7 @@
           <p:cNvPr id="7" name="TekstSylinder 6">
             <a:extLst>
               <a:ext uri="{FF2B5EF4-FFF2-40B4-BE49-F238E27FC236}">
-                <a16:creationId xmlns:a16="http://schemas.microsoft.com/office/drawing/2014/main" id="{8B3737D2-6CB8-4DD2-9A33-1F7057A79491}"/>
+                <a16:creationId xmlns:a16="http://schemas.microsoft.com/office/drawing/2014/main" id="{19BB8B09-9338-41A3-B8C1-F95C57F32F0B}"/>
               </a:ext>
             </a:extLst>
           </p:cNvPr>
@@ -6096,8 +6085,8 @@
         </p:nvSpPr>
         <p:spPr>
           <a:xfrm>
-            <a:off x="319087" y="5657671"/>
-            <a:ext cx="4886325" cy="1200329"/>
+            <a:off x="293207" y="5283199"/>
+            <a:ext cx="4702126" cy="646331"/>
           </a:xfrm>
           <a:prstGeom prst="rect">
             <a:avLst/>
@@ -6110,35 +6099,23 @@
           </a:bodyPr>
           <a:lstStyle/>
           <a:p>
-            <a:pPr marL="285750" indent="-285750">
-              <a:buFontTx/>
-              <a:buChar char="-"/>
-            </a:pPr>
             <a:r>
               <a:rPr lang="en-GB" dirty="0"/>
-              <a:t>Checks whether a given move is legal and if it results in winning the game</a:t>
-            </a:r>
-          </a:p>
-          <a:p>
-            <a:pPr marL="285750" indent="-285750">
-              <a:buFontTx/>
-              <a:buChar char="-"/>
-            </a:pPr>
-            <a:endParaRPr lang="en-GB" dirty="0"/>
-          </a:p>
-          <a:p>
-            <a:pPr marL="285750" indent="-285750">
-              <a:buFontTx/>
-              <a:buChar char="-"/>
-            </a:pPr>
-            <a:endParaRPr lang="en-GB" dirty="0"/>
+              <a:t>- Keeps track of the game results </a:t>
+            </a:r>
+          </a:p>
+          <a:p>
+            <a:r>
+              <a:rPr lang="en-GB" dirty="0"/>
+              <a:t>in a non-volatile way</a:t>
+            </a:r>
           </a:p>
         </p:txBody>
       </p:sp>
     </p:spTree>
     <p:extLst>
       <p:ext uri="{BB962C8B-B14F-4D97-AF65-F5344CB8AC3E}">
-        <p14:creationId xmlns:p14="http://schemas.microsoft.com/office/powerpoint/2010/main" val="1032052126"/>
+        <p14:creationId xmlns:p14="http://schemas.microsoft.com/office/powerpoint/2010/main" val="2024050026"/>
       </p:ext>
     </p:extLst>
   </p:cSld>
@@ -6170,7 +6147,7 @@
           <p:cNvPr id="2" name="Tittel 1">
             <a:extLst>
               <a:ext uri="{FF2B5EF4-FFF2-40B4-BE49-F238E27FC236}">
-                <a16:creationId xmlns:a16="http://schemas.microsoft.com/office/drawing/2014/main" id="{F002D872-FB0F-4DB3-9C26-13A35CECD949}"/>
+                <a16:creationId xmlns:a16="http://schemas.microsoft.com/office/drawing/2014/main" id="{FD45CE08-B758-4DDB-A9BC-95FFF34B9600}"/>
               </a:ext>
             </a:extLst>
           </p:cNvPr>
@@ -6181,24 +6158,29 @@
             <p:ph type="title"/>
           </p:nvPr>
         </p:nvSpPr>
-        <p:spPr/>
+        <p:spPr>
+          <a:xfrm>
+            <a:off x="2895600" y="354798"/>
+            <a:ext cx="8610600" cy="1293028"/>
+          </a:xfrm>
+        </p:spPr>
         <p:txBody>
           <a:bodyPr/>
           <a:lstStyle/>
           <a:p>
             <a:r>
               <a:rPr lang="en-GB" dirty="0"/>
-              <a:t>Ranking class</a:t>
+              <a:t>Move class</a:t>
             </a:r>
           </a:p>
         </p:txBody>
       </p:sp>
       <p:pic>
         <p:nvPicPr>
-          <p:cNvPr id="5" name="Plassholder for innhold 4">
+          <p:cNvPr id="6" name="Plassholder for innhold 5">
             <a:extLst>
               <a:ext uri="{FF2B5EF4-FFF2-40B4-BE49-F238E27FC236}">
-                <a16:creationId xmlns:a16="http://schemas.microsoft.com/office/drawing/2014/main" id="{7C61A974-823D-45BD-8A4D-67B1CDB84784}"/>
+                <a16:creationId xmlns:a16="http://schemas.microsoft.com/office/drawing/2014/main" id="{6EBD19B3-194B-4240-9B80-449CE34FD53E}"/>
               </a:ext>
             </a:extLst>
           </p:cNvPr>
@@ -6209,16 +6191,15 @@
             <p:ph idx="1"/>
           </p:nvPr>
         </p:nvPicPr>
-        <p:blipFill>
+        <p:blipFill rotWithShape="1">
           <a:blip r:embed="rId2"/>
-          <a:stretch>
-            <a:fillRect/>
-          </a:stretch>
+          <a:srcRect b="20244"/>
+          <a:stretch/>
         </p:blipFill>
         <p:spPr>
           <a:xfrm>
-            <a:off x="5439256" y="1810233"/>
-            <a:ext cx="6691581" cy="2600902"/>
+            <a:off x="7097769" y="4087541"/>
+            <a:ext cx="4032983" cy="2702726"/>
           </a:xfrm>
           <a:prstGeom prst="rect">
             <a:avLst/>
@@ -6230,7 +6211,7 @@
           <p:cNvPr id="4" name="Bilde 3">
             <a:extLst>
               <a:ext uri="{FF2B5EF4-FFF2-40B4-BE49-F238E27FC236}">
-                <a16:creationId xmlns:a16="http://schemas.microsoft.com/office/drawing/2014/main" id="{E51BE132-74B5-44FE-B80F-3032AA3B5CCF}"/>
+                <a16:creationId xmlns:a16="http://schemas.microsoft.com/office/drawing/2014/main" id="{E5A65D30-DF48-4E5A-AB38-CEA37484282D}"/>
               </a:ext>
             </a:extLst>
           </p:cNvPr>
@@ -6239,16 +6220,15 @@
           </p:cNvPicPr>
           <p:nvPr/>
         </p:nvPicPr>
-        <p:blipFill>
+        <p:blipFill rotWithShape="1">
           <a:blip r:embed="rId3"/>
-          <a:stretch>
-            <a:fillRect/>
-          </a:stretch>
+          <a:srcRect l="906"/>
+          <a:stretch/>
         </p:blipFill>
         <p:spPr>
           <a:xfrm>
-            <a:off x="76200" y="1810233"/>
-            <a:ext cx="5221397" cy="2991907"/>
+            <a:off x="180975" y="1487813"/>
+            <a:ext cx="6411969" cy="3882374"/>
           </a:xfrm>
           <a:prstGeom prst="rect">
             <a:avLst/>
@@ -6257,10 +6237,10 @@
       </p:pic>
       <p:pic>
         <p:nvPicPr>
-          <p:cNvPr id="6" name="Bilde 5">
+          <p:cNvPr id="5" name="Bilde 4">
             <a:extLst>
               <a:ext uri="{FF2B5EF4-FFF2-40B4-BE49-F238E27FC236}">
-                <a16:creationId xmlns:a16="http://schemas.microsoft.com/office/drawing/2014/main" id="{964872B0-E470-4CE7-92B0-6C277B97B473}"/>
+                <a16:creationId xmlns:a16="http://schemas.microsoft.com/office/drawing/2014/main" id="{5F84D43E-4612-4CF0-B77E-1E864EC8C2E2}"/>
               </a:ext>
             </a:extLst>
           </p:cNvPr>
@@ -6277,8 +6257,8 @@
         </p:blipFill>
         <p:spPr>
           <a:xfrm>
-            <a:off x="5439256" y="4538135"/>
-            <a:ext cx="6382231" cy="2142082"/>
+            <a:off x="7097769" y="1487813"/>
+            <a:ext cx="4913256" cy="2526498"/>
           </a:xfrm>
           <a:prstGeom prst="rect">
             <a:avLst/>
@@ -6290,7 +6270,7 @@
           <p:cNvPr id="7" name="TekstSylinder 6">
             <a:extLst>
               <a:ext uri="{FF2B5EF4-FFF2-40B4-BE49-F238E27FC236}">
-                <a16:creationId xmlns:a16="http://schemas.microsoft.com/office/drawing/2014/main" id="{19BB8B09-9338-41A3-B8C1-F95C57F32F0B}"/>
+                <a16:creationId xmlns:a16="http://schemas.microsoft.com/office/drawing/2014/main" id="{8B3737D2-6CB8-4DD2-9A33-1F7057A79491}"/>
               </a:ext>
             </a:extLst>
           </p:cNvPr>
@@ -6299,8 +6279,8 @@
         </p:nvSpPr>
         <p:spPr>
           <a:xfrm>
-            <a:off x="293207" y="5283199"/>
-            <a:ext cx="4702126" cy="646331"/>
+            <a:off x="319087" y="5657671"/>
+            <a:ext cx="4886325" cy="1200329"/>
           </a:xfrm>
           <a:prstGeom prst="rect">
             <a:avLst/>
@@ -6313,23 +6293,35 @@
           </a:bodyPr>
           <a:lstStyle/>
           <a:p>
+            <a:pPr marL="285750" indent="-285750">
+              <a:buFontTx/>
+              <a:buChar char="-"/>
+            </a:pPr>
             <a:r>
               <a:rPr lang="en-GB" dirty="0"/>
-              <a:t>- Keeps track of the game results </a:t>
-            </a:r>
-          </a:p>
-          <a:p>
-            <a:r>
-              <a:rPr lang="en-GB" dirty="0"/>
-              <a:t>in a non-volatile way</a:t>
-            </a:r>
+              <a:t>Checks whether a given move is legal and if it results in winning the game</a:t>
+            </a:r>
+          </a:p>
+          <a:p>
+            <a:pPr marL="285750" indent="-285750">
+              <a:buFontTx/>
+              <a:buChar char="-"/>
+            </a:pPr>
+            <a:endParaRPr lang="en-GB" dirty="0"/>
+          </a:p>
+          <a:p>
+            <a:pPr marL="285750" indent="-285750">
+              <a:buFontTx/>
+              <a:buChar char="-"/>
+            </a:pPr>
+            <a:endParaRPr lang="en-GB" dirty="0"/>
           </a:p>
         </p:txBody>
       </p:sp>
     </p:spTree>
     <p:extLst>
       <p:ext uri="{BB962C8B-B14F-4D97-AF65-F5344CB8AC3E}">
-        <p14:creationId xmlns:p14="http://schemas.microsoft.com/office/powerpoint/2010/main" val="2024050026"/>
+        <p14:creationId xmlns:p14="http://schemas.microsoft.com/office/powerpoint/2010/main" val="1032052126"/>
       </p:ext>
     </p:extLst>
   </p:cSld>
@@ -6730,7 +6722,7 @@
           <p:cNvPr id="2" name="Tittel 1">
             <a:extLst>
               <a:ext uri="{FF2B5EF4-FFF2-40B4-BE49-F238E27FC236}">
-                <a16:creationId xmlns:a16="http://schemas.microsoft.com/office/drawing/2014/main" id="{718909D4-9155-451D-9E42-F4BE1F57CDFC}"/>
+                <a16:creationId xmlns:a16="http://schemas.microsoft.com/office/drawing/2014/main" id="{C2B4E6D3-83C9-4ADD-ADF3-DA0B44ABE47F}"/>
               </a:ext>
             </a:extLst>
           </p:cNvPr>
@@ -6741,65 +6733,46 @@
             <p:ph type="title"/>
           </p:nvPr>
         </p:nvSpPr>
-        <p:spPr>
-          <a:xfrm>
-            <a:off x="2895600" y="460168"/>
-            <a:ext cx="8610600" cy="1293028"/>
-          </a:xfrm>
-        </p:spPr>
+        <p:spPr/>
         <p:txBody>
           <a:bodyPr/>
           <a:lstStyle/>
           <a:p>
-            <a:r>
-              <a:rPr lang="en-GB" dirty="0" err="1"/>
-              <a:t>Singleplayer</a:t>
-            </a:r>
-            <a:r>
-              <a:rPr lang="en-GB" dirty="0"/>
-              <a:t> class</a:t>
-            </a:r>
-          </a:p>
-        </p:txBody>
-      </p:sp>
-      <p:pic>
-        <p:nvPicPr>
-          <p:cNvPr id="5" name="Plassholder for innhold 4">
+            <a:endParaRPr lang="en-GB"/>
+          </a:p>
+        </p:txBody>
+      </p:sp>
+      <p:sp>
+        <p:nvSpPr>
+          <p:cNvPr id="3" name="Plassholder for innhold 2">
             <a:extLst>
               <a:ext uri="{FF2B5EF4-FFF2-40B4-BE49-F238E27FC236}">
-                <a16:creationId xmlns:a16="http://schemas.microsoft.com/office/drawing/2014/main" id="{F489B852-27A5-4128-B240-AC2E65009914}"/>
+                <a16:creationId xmlns:a16="http://schemas.microsoft.com/office/drawing/2014/main" id="{26717889-865C-409D-A039-25262163204A}"/>
               </a:ext>
             </a:extLst>
           </p:cNvPr>
-          <p:cNvPicPr>
-            <a:picLocks noGrp="1" noChangeAspect="1"/>
-          </p:cNvPicPr>
+          <p:cNvSpPr>
+            <a:spLocks noGrp="1"/>
+          </p:cNvSpPr>
           <p:nvPr>
             <p:ph idx="1"/>
           </p:nvPr>
-        </p:nvPicPr>
-        <p:blipFill>
-          <a:blip r:embed="rId2"/>
-          <a:stretch>
-            <a:fillRect/>
-          </a:stretch>
-        </p:blipFill>
-        <p:spPr>
-          <a:xfrm>
-            <a:off x="111618" y="1753196"/>
-            <a:ext cx="5425581" cy="4113835"/>
-          </a:xfrm>
-          <a:prstGeom prst="rect">
-            <a:avLst/>
-          </a:prstGeom>
-        </p:spPr>
-      </p:pic>
+        </p:nvSpPr>
+        <p:spPr/>
+        <p:txBody>
+          <a:bodyPr/>
+          <a:lstStyle/>
+          <a:p>
+            <a:endParaRPr lang="en-GB"/>
+          </a:p>
+        </p:txBody>
+      </p:sp>
       <p:pic>
         <p:nvPicPr>
-          <p:cNvPr id="6" name="Bilde 5">
+          <p:cNvPr id="4" name="Bilde 3">
             <a:extLst>
               <a:ext uri="{FF2B5EF4-FFF2-40B4-BE49-F238E27FC236}">
-                <a16:creationId xmlns:a16="http://schemas.microsoft.com/office/drawing/2014/main" id="{0AA91C14-B806-472B-87BE-AE4BB092C853}"/>
+                <a16:creationId xmlns:a16="http://schemas.microsoft.com/office/drawing/2014/main" id="{983C32E7-B22F-424F-AF3A-30305DB5A42A}"/>
               </a:ext>
             </a:extLst>
           </p:cNvPr>
@@ -6808,135 +6781,26 @@
           </p:cNvPicPr>
           <p:nvPr/>
         </p:nvPicPr>
-        <p:blipFill rotWithShape="1">
-          <a:blip r:embed="rId3"/>
-          <a:srcRect l="5530" b="12627"/>
-          <a:stretch/>
+        <p:blipFill>
+          <a:blip r:embed="rId2"/>
+          <a:stretch>
+            <a:fillRect/>
+          </a:stretch>
         </p:blipFill>
         <p:spPr>
           <a:xfrm>
-            <a:off x="6519334" y="1753196"/>
-            <a:ext cx="5266266" cy="2346135"/>
+            <a:off x="5702433" y="2057401"/>
+            <a:ext cx="6079992" cy="4581524"/>
           </a:xfrm>
           <a:prstGeom prst="rect">
             <a:avLst/>
           </a:prstGeom>
         </p:spPr>
       </p:pic>
-      <p:sp>
-        <p:nvSpPr>
-          <p:cNvPr id="7" name="Pil: høyre 6">
-            <a:extLst>
-              <a:ext uri="{FF2B5EF4-FFF2-40B4-BE49-F238E27FC236}">
-                <a16:creationId xmlns:a16="http://schemas.microsoft.com/office/drawing/2014/main" id="{B7735F0D-BF6C-4BFB-A72D-71D460AFA83E}"/>
-              </a:ext>
-            </a:extLst>
-          </p:cNvPr>
-          <p:cNvSpPr/>
-          <p:nvPr/>
-        </p:nvSpPr>
-        <p:spPr>
-          <a:xfrm>
-            <a:off x="5672667" y="2870200"/>
-            <a:ext cx="728133" cy="262466"/>
-          </a:xfrm>
-          <a:prstGeom prst="rightArrow">
-            <a:avLst/>
-          </a:prstGeom>
-          <a:solidFill>
-            <a:schemeClr val="tx1"/>
-          </a:solidFill>
-          <a:ln>
-            <a:solidFill>
-              <a:schemeClr val="tx1"/>
-            </a:solidFill>
-          </a:ln>
-        </p:spPr>
-        <p:style>
-          <a:lnRef idx="2">
-            <a:schemeClr val="accent1">
-              <a:shade val="50000"/>
-            </a:schemeClr>
-          </a:lnRef>
-          <a:fillRef idx="1">
-            <a:schemeClr val="accent1"/>
-          </a:fillRef>
-          <a:effectRef idx="0">
-            <a:schemeClr val="accent1"/>
-          </a:effectRef>
-          <a:fontRef idx="minor">
-            <a:schemeClr val="lt1"/>
-          </a:fontRef>
-        </p:style>
-        <p:txBody>
-          <a:bodyPr rtlCol="0" anchor="ctr"/>
-          <a:lstStyle/>
-          <a:p>
-            <a:pPr algn="ctr"/>
-            <a:endParaRPr lang="en-GB"/>
-          </a:p>
-        </p:txBody>
-      </p:sp>
-      <p:sp>
-        <p:nvSpPr>
-          <p:cNvPr id="8" name="TekstSylinder 7">
-            <a:extLst>
-              <a:ext uri="{FF2B5EF4-FFF2-40B4-BE49-F238E27FC236}">
-                <a16:creationId xmlns:a16="http://schemas.microsoft.com/office/drawing/2014/main" id="{09959012-9654-4B2C-AC6E-2D7FDF2B6B3A}"/>
-              </a:ext>
-            </a:extLst>
-          </p:cNvPr>
-          <p:cNvSpPr txBox="1"/>
-          <p:nvPr/>
-        </p:nvSpPr>
-        <p:spPr>
-          <a:xfrm>
-            <a:off x="6519334" y="4943701"/>
-            <a:ext cx="5266266" cy="923330"/>
-          </a:xfrm>
-          <a:prstGeom prst="rect">
-            <a:avLst/>
-          </a:prstGeom>
-          <a:noFill/>
-        </p:spPr>
-        <p:txBody>
-          <a:bodyPr wrap="square" rtlCol="0">
-            <a:spAutoFit/>
-          </a:bodyPr>
-          <a:lstStyle/>
-          <a:p>
-            <a:pPr marL="285750" indent="-285750">
-              <a:buFontTx/>
-              <a:buChar char="-"/>
-            </a:pPr>
-            <a:r>
-              <a:rPr lang="en-GB" dirty="0"/>
-              <a:t>Implements the </a:t>
-            </a:r>
-            <a:r>
-              <a:rPr lang="en-GB" dirty="0" err="1"/>
-              <a:t>singleplayer</a:t>
-            </a:r>
-            <a:r>
-              <a:rPr lang="en-GB" dirty="0"/>
-              <a:t> functionality </a:t>
-            </a:r>
-          </a:p>
-          <a:p>
-            <a:r>
-              <a:rPr lang="en-GB" dirty="0"/>
-              <a:t>using the AI-class</a:t>
-            </a:r>
-          </a:p>
-          <a:p>
-            <a:endParaRPr lang="en-GB" dirty="0"/>
-          </a:p>
-        </p:txBody>
-      </p:sp>
     </p:spTree>
     <p:extLst>
       <p:ext uri="{BB962C8B-B14F-4D97-AF65-F5344CB8AC3E}">
-        <p14:creationId xmlns:p14="http://schemas.microsoft.com/office/powerpoint/2010/main" val="3924727181"/>
+        <p14:creationId xmlns:p14="http://schemas.microsoft.com/office/powerpoint/2010/main" val="1760074148"/>
       </p:ext>
     </p:extLst>
   </p:cSld>
@@ -6968,7 +6832,7 @@
           <p:cNvPr id="2" name="Tittel 1">
             <a:extLst>
               <a:ext uri="{FF2B5EF4-FFF2-40B4-BE49-F238E27FC236}">
-                <a16:creationId xmlns:a16="http://schemas.microsoft.com/office/drawing/2014/main" id="{D8610909-2DD4-45B3-88CA-027B84E85683}"/>
+                <a16:creationId xmlns:a16="http://schemas.microsoft.com/office/drawing/2014/main" id="{718909D4-9155-451D-9E42-F4BE1F57CDFC}"/>
               </a:ext>
             </a:extLst>
           </p:cNvPr>
@@ -6981,7 +6845,7 @@
         </p:nvSpPr>
         <p:spPr>
           <a:xfrm>
-            <a:off x="2980267" y="573842"/>
+            <a:off x="2895600" y="460168"/>
             <a:ext cx="8610600" cy="1293028"/>
           </a:xfrm>
         </p:spPr>
@@ -6990,43 +6854,54 @@
           <a:lstStyle/>
           <a:p>
             <a:r>
+              <a:rPr lang="en-GB" dirty="0" err="1"/>
+              <a:t>Singleplayer</a:t>
+            </a:r>
+            <a:r>
               <a:rPr lang="en-GB" dirty="0"/>
-              <a:t>Multiplayer class</a:t>
-            </a:r>
-          </a:p>
-        </p:txBody>
-      </p:sp>
-      <p:sp>
-        <p:nvSpPr>
-          <p:cNvPr id="3" name="Plassholder for innhold 2">
+              <a:t> class</a:t>
+            </a:r>
+          </a:p>
+        </p:txBody>
+      </p:sp>
+      <p:pic>
+        <p:nvPicPr>
+          <p:cNvPr id="5" name="Plassholder for innhold 4">
             <a:extLst>
               <a:ext uri="{FF2B5EF4-FFF2-40B4-BE49-F238E27FC236}">
-                <a16:creationId xmlns:a16="http://schemas.microsoft.com/office/drawing/2014/main" id="{7EC540F2-C163-4BB0-AC80-0FA3C72242AB}"/>
+                <a16:creationId xmlns:a16="http://schemas.microsoft.com/office/drawing/2014/main" id="{F489B852-27A5-4128-B240-AC2E65009914}"/>
               </a:ext>
             </a:extLst>
           </p:cNvPr>
-          <p:cNvSpPr>
-            <a:spLocks noGrp="1"/>
-          </p:cNvSpPr>
+          <p:cNvPicPr>
+            <a:picLocks noGrp="1" noChangeAspect="1"/>
+          </p:cNvPicPr>
           <p:nvPr>
             <p:ph idx="1"/>
           </p:nvPr>
-        </p:nvSpPr>
-        <p:spPr/>
-        <p:txBody>
-          <a:bodyPr/>
-          <a:lstStyle/>
-          <a:p>
-            <a:endParaRPr lang="en-GB" dirty="0"/>
-          </a:p>
-        </p:txBody>
-      </p:sp>
+        </p:nvPicPr>
+        <p:blipFill>
+          <a:blip r:embed="rId2"/>
+          <a:stretch>
+            <a:fillRect/>
+          </a:stretch>
+        </p:blipFill>
+        <p:spPr>
+          <a:xfrm>
+            <a:off x="111618" y="1753196"/>
+            <a:ext cx="5425581" cy="4113835"/>
+          </a:xfrm>
+          <a:prstGeom prst="rect">
+            <a:avLst/>
+          </a:prstGeom>
+        </p:spPr>
+      </p:pic>
       <p:pic>
         <p:nvPicPr>
-          <p:cNvPr id="4" name="Bilde 3">
+          <p:cNvPr id="6" name="Bilde 5">
             <a:extLst>
               <a:ext uri="{FF2B5EF4-FFF2-40B4-BE49-F238E27FC236}">
-                <a16:creationId xmlns:a16="http://schemas.microsoft.com/office/drawing/2014/main" id="{1F277D3F-AFA7-463C-8F5B-138B4973EFC0}"/>
+                <a16:creationId xmlns:a16="http://schemas.microsoft.com/office/drawing/2014/main" id="{0AA91C14-B806-472B-87BE-AE4BB092C853}"/>
               </a:ext>
             </a:extLst>
           </p:cNvPr>
@@ -7035,58 +6910,27 @@
           </p:cNvPicPr>
           <p:nvPr/>
         </p:nvPicPr>
-        <p:blipFill>
-          <a:blip r:embed="rId2"/>
-          <a:stretch>
-            <a:fillRect/>
-          </a:stretch>
+        <p:blipFill rotWithShape="1">
+          <a:blip r:embed="rId3"/>
+          <a:srcRect l="5530" b="12627"/>
+          <a:stretch/>
         </p:blipFill>
         <p:spPr>
           <a:xfrm>
-            <a:off x="186266" y="1557868"/>
-            <a:ext cx="6041618" cy="3575652"/>
+            <a:off x="6519334" y="1753196"/>
+            <a:ext cx="5266266" cy="2346135"/>
           </a:xfrm>
           <a:prstGeom prst="rect">
             <a:avLst/>
           </a:prstGeom>
         </p:spPr>
       </p:pic>
-      <p:pic>
-        <p:nvPicPr>
-          <p:cNvPr id="5" name="Bilde 4">
+      <p:sp>
+        <p:nvSpPr>
+          <p:cNvPr id="7" name="Pil: høyre 6">
             <a:extLst>
               <a:ext uri="{FF2B5EF4-FFF2-40B4-BE49-F238E27FC236}">
-                <a16:creationId xmlns:a16="http://schemas.microsoft.com/office/drawing/2014/main" id="{CB94A388-4C9A-49FA-89ED-32A4BE91FF71}"/>
-              </a:ext>
-            </a:extLst>
-          </p:cNvPr>
-          <p:cNvPicPr>
-            <a:picLocks noChangeAspect="1"/>
-          </p:cNvPicPr>
-          <p:nvPr/>
-        </p:nvPicPr>
-        <p:blipFill>
-          <a:blip r:embed="rId3"/>
-          <a:stretch>
-            <a:fillRect/>
-          </a:stretch>
-        </p:blipFill>
-        <p:spPr>
-          <a:xfrm>
-            <a:off x="6787588" y="1562815"/>
-            <a:ext cx="5218146" cy="4184247"/>
-          </a:xfrm>
-          <a:prstGeom prst="rect">
-            <a:avLst/>
-          </a:prstGeom>
-        </p:spPr>
-      </p:pic>
-      <p:sp>
-        <p:nvSpPr>
-          <p:cNvPr id="6" name="Rektangel 5">
-            <a:extLst>
-              <a:ext uri="{FF2B5EF4-FFF2-40B4-BE49-F238E27FC236}">
-                <a16:creationId xmlns:a16="http://schemas.microsoft.com/office/drawing/2014/main" id="{CF1CFD24-5877-4347-8A6B-36D288FBEFFE}"/>
+                <a16:creationId xmlns:a16="http://schemas.microsoft.com/office/drawing/2014/main" id="{B7735F0D-BF6C-4BFB-A72D-71D460AFA83E}"/>
               </a:ext>
             </a:extLst>
           </p:cNvPr>
@@ -7095,46 +6939,8 @@
         </p:nvSpPr>
         <p:spPr>
           <a:xfrm>
-            <a:off x="601133" y="5300132"/>
-            <a:ext cx="6096000" cy="369332"/>
-          </a:xfrm>
-          <a:prstGeom prst="rect">
-            <a:avLst/>
-          </a:prstGeom>
-        </p:spPr>
-        <p:txBody>
-          <a:bodyPr>
-            <a:spAutoFit/>
-          </a:bodyPr>
-          <a:lstStyle/>
-          <a:p>
-            <a:pPr marL="285750" indent="-285750">
-              <a:buFontTx/>
-              <a:buChar char="-"/>
-            </a:pPr>
-            <a:r>
-              <a:rPr lang="en-GB" dirty="0"/>
-              <a:t>Implements the multiplayer functionality</a:t>
-            </a:r>
-          </a:p>
-        </p:txBody>
-      </p:sp>
-      <p:sp>
-        <p:nvSpPr>
-          <p:cNvPr id="7" name="Pil: høyre 6">
-            <a:extLst>
-              <a:ext uri="{FF2B5EF4-FFF2-40B4-BE49-F238E27FC236}">
-                <a16:creationId xmlns:a16="http://schemas.microsoft.com/office/drawing/2014/main" id="{7BC1E70D-E678-417F-B1C3-352216700EB1}"/>
-              </a:ext>
-            </a:extLst>
-          </p:cNvPr>
-          <p:cNvSpPr/>
-          <p:nvPr/>
-        </p:nvSpPr>
-        <p:spPr>
-          <a:xfrm>
-            <a:off x="6281363" y="3175000"/>
-            <a:ext cx="446055" cy="254000"/>
+            <a:off x="5672667" y="2870200"/>
+            <a:ext cx="728133" cy="262466"/>
           </a:xfrm>
           <a:prstGeom prst="rightArrow">
             <a:avLst/>
@@ -7173,10 +6979,66 @@
           </a:p>
         </p:txBody>
       </p:sp>
+      <p:sp>
+        <p:nvSpPr>
+          <p:cNvPr id="8" name="TekstSylinder 7">
+            <a:extLst>
+              <a:ext uri="{FF2B5EF4-FFF2-40B4-BE49-F238E27FC236}">
+                <a16:creationId xmlns:a16="http://schemas.microsoft.com/office/drawing/2014/main" id="{09959012-9654-4B2C-AC6E-2D7FDF2B6B3A}"/>
+              </a:ext>
+            </a:extLst>
+          </p:cNvPr>
+          <p:cNvSpPr txBox="1"/>
+          <p:nvPr/>
+        </p:nvSpPr>
+        <p:spPr>
+          <a:xfrm>
+            <a:off x="6519334" y="4943701"/>
+            <a:ext cx="5266266" cy="923330"/>
+          </a:xfrm>
+          <a:prstGeom prst="rect">
+            <a:avLst/>
+          </a:prstGeom>
+          <a:noFill/>
+        </p:spPr>
+        <p:txBody>
+          <a:bodyPr wrap="square" rtlCol="0">
+            <a:spAutoFit/>
+          </a:bodyPr>
+          <a:lstStyle/>
+          <a:p>
+            <a:pPr marL="285750" indent="-285750">
+              <a:buFontTx/>
+              <a:buChar char="-"/>
+            </a:pPr>
+            <a:r>
+              <a:rPr lang="en-GB" dirty="0"/>
+              <a:t>Implements the </a:t>
+            </a:r>
+            <a:r>
+              <a:rPr lang="en-GB" dirty="0" err="1"/>
+              <a:t>singleplayer</a:t>
+            </a:r>
+            <a:r>
+              <a:rPr lang="en-GB" dirty="0"/>
+              <a:t> functionality </a:t>
+            </a:r>
+          </a:p>
+          <a:p>
+            <a:r>
+              <a:rPr lang="en-GB" dirty="0"/>
+              <a:t>using the AI-class</a:t>
+            </a:r>
+          </a:p>
+          <a:p>
+            <a:endParaRPr lang="en-GB" dirty="0"/>
+          </a:p>
+        </p:txBody>
+      </p:sp>
     </p:spTree>
     <p:extLst>
       <p:ext uri="{BB962C8B-B14F-4D97-AF65-F5344CB8AC3E}">
-        <p14:creationId xmlns:p14="http://schemas.microsoft.com/office/powerpoint/2010/main" val="1946236560"/>
+        <p14:creationId xmlns:p14="http://schemas.microsoft.com/office/powerpoint/2010/main" val="3924727181"/>
       </p:ext>
     </p:extLst>
   </p:cSld>
@@ -7208,6 +7070,246 @@
           <p:cNvPr id="2" name="Tittel 1">
             <a:extLst>
               <a:ext uri="{FF2B5EF4-FFF2-40B4-BE49-F238E27FC236}">
+                <a16:creationId xmlns:a16="http://schemas.microsoft.com/office/drawing/2014/main" id="{D8610909-2DD4-45B3-88CA-027B84E85683}"/>
+              </a:ext>
+            </a:extLst>
+          </p:cNvPr>
+          <p:cNvSpPr>
+            <a:spLocks noGrp="1"/>
+          </p:cNvSpPr>
+          <p:nvPr>
+            <p:ph type="title"/>
+          </p:nvPr>
+        </p:nvSpPr>
+        <p:spPr>
+          <a:xfrm>
+            <a:off x="2980267" y="573842"/>
+            <a:ext cx="8610600" cy="1293028"/>
+          </a:xfrm>
+        </p:spPr>
+        <p:txBody>
+          <a:bodyPr/>
+          <a:lstStyle/>
+          <a:p>
+            <a:r>
+              <a:rPr lang="en-GB" dirty="0"/>
+              <a:t>Multiplayer class</a:t>
+            </a:r>
+          </a:p>
+        </p:txBody>
+      </p:sp>
+      <p:sp>
+        <p:nvSpPr>
+          <p:cNvPr id="3" name="Plassholder for innhold 2">
+            <a:extLst>
+              <a:ext uri="{FF2B5EF4-FFF2-40B4-BE49-F238E27FC236}">
+                <a16:creationId xmlns:a16="http://schemas.microsoft.com/office/drawing/2014/main" id="{7EC540F2-C163-4BB0-AC80-0FA3C72242AB}"/>
+              </a:ext>
+            </a:extLst>
+          </p:cNvPr>
+          <p:cNvSpPr>
+            <a:spLocks noGrp="1"/>
+          </p:cNvSpPr>
+          <p:nvPr>
+            <p:ph idx="1"/>
+          </p:nvPr>
+        </p:nvSpPr>
+        <p:spPr/>
+        <p:txBody>
+          <a:bodyPr/>
+          <a:lstStyle/>
+          <a:p>
+            <a:endParaRPr lang="en-GB" dirty="0"/>
+          </a:p>
+        </p:txBody>
+      </p:sp>
+      <p:pic>
+        <p:nvPicPr>
+          <p:cNvPr id="4" name="Bilde 3">
+            <a:extLst>
+              <a:ext uri="{FF2B5EF4-FFF2-40B4-BE49-F238E27FC236}">
+                <a16:creationId xmlns:a16="http://schemas.microsoft.com/office/drawing/2014/main" id="{1F277D3F-AFA7-463C-8F5B-138B4973EFC0}"/>
+              </a:ext>
+            </a:extLst>
+          </p:cNvPr>
+          <p:cNvPicPr>
+            <a:picLocks noChangeAspect="1"/>
+          </p:cNvPicPr>
+          <p:nvPr/>
+        </p:nvPicPr>
+        <p:blipFill>
+          <a:blip r:embed="rId2"/>
+          <a:stretch>
+            <a:fillRect/>
+          </a:stretch>
+        </p:blipFill>
+        <p:spPr>
+          <a:xfrm>
+            <a:off x="186266" y="1557868"/>
+            <a:ext cx="6041618" cy="3575652"/>
+          </a:xfrm>
+          <a:prstGeom prst="rect">
+            <a:avLst/>
+          </a:prstGeom>
+        </p:spPr>
+      </p:pic>
+      <p:pic>
+        <p:nvPicPr>
+          <p:cNvPr id="5" name="Bilde 4">
+            <a:extLst>
+              <a:ext uri="{FF2B5EF4-FFF2-40B4-BE49-F238E27FC236}">
+                <a16:creationId xmlns:a16="http://schemas.microsoft.com/office/drawing/2014/main" id="{CB94A388-4C9A-49FA-89ED-32A4BE91FF71}"/>
+              </a:ext>
+            </a:extLst>
+          </p:cNvPr>
+          <p:cNvPicPr>
+            <a:picLocks noChangeAspect="1"/>
+          </p:cNvPicPr>
+          <p:nvPr/>
+        </p:nvPicPr>
+        <p:blipFill>
+          <a:blip r:embed="rId3"/>
+          <a:stretch>
+            <a:fillRect/>
+          </a:stretch>
+        </p:blipFill>
+        <p:spPr>
+          <a:xfrm>
+            <a:off x="6787588" y="1562815"/>
+            <a:ext cx="5218146" cy="4184247"/>
+          </a:xfrm>
+          <a:prstGeom prst="rect">
+            <a:avLst/>
+          </a:prstGeom>
+        </p:spPr>
+      </p:pic>
+      <p:sp>
+        <p:nvSpPr>
+          <p:cNvPr id="6" name="Rektangel 5">
+            <a:extLst>
+              <a:ext uri="{FF2B5EF4-FFF2-40B4-BE49-F238E27FC236}">
+                <a16:creationId xmlns:a16="http://schemas.microsoft.com/office/drawing/2014/main" id="{CF1CFD24-5877-4347-8A6B-36D288FBEFFE}"/>
+              </a:ext>
+            </a:extLst>
+          </p:cNvPr>
+          <p:cNvSpPr/>
+          <p:nvPr/>
+        </p:nvSpPr>
+        <p:spPr>
+          <a:xfrm>
+            <a:off x="601133" y="5300132"/>
+            <a:ext cx="6096000" cy="369332"/>
+          </a:xfrm>
+          <a:prstGeom prst="rect">
+            <a:avLst/>
+          </a:prstGeom>
+        </p:spPr>
+        <p:txBody>
+          <a:bodyPr>
+            <a:spAutoFit/>
+          </a:bodyPr>
+          <a:lstStyle/>
+          <a:p>
+            <a:pPr marL="285750" indent="-285750">
+              <a:buFontTx/>
+              <a:buChar char="-"/>
+            </a:pPr>
+            <a:r>
+              <a:rPr lang="en-GB" dirty="0"/>
+              <a:t>Implements the multiplayer functionality</a:t>
+            </a:r>
+          </a:p>
+        </p:txBody>
+      </p:sp>
+      <p:sp>
+        <p:nvSpPr>
+          <p:cNvPr id="7" name="Pil: høyre 6">
+            <a:extLst>
+              <a:ext uri="{FF2B5EF4-FFF2-40B4-BE49-F238E27FC236}">
+                <a16:creationId xmlns:a16="http://schemas.microsoft.com/office/drawing/2014/main" id="{7BC1E70D-E678-417F-B1C3-352216700EB1}"/>
+              </a:ext>
+            </a:extLst>
+          </p:cNvPr>
+          <p:cNvSpPr/>
+          <p:nvPr/>
+        </p:nvSpPr>
+        <p:spPr>
+          <a:xfrm>
+            <a:off x="6281363" y="3175000"/>
+            <a:ext cx="446055" cy="254000"/>
+          </a:xfrm>
+          <a:prstGeom prst="rightArrow">
+            <a:avLst/>
+          </a:prstGeom>
+          <a:solidFill>
+            <a:schemeClr val="tx1"/>
+          </a:solidFill>
+          <a:ln>
+            <a:solidFill>
+              <a:schemeClr val="tx1"/>
+            </a:solidFill>
+          </a:ln>
+        </p:spPr>
+        <p:style>
+          <a:lnRef idx="2">
+            <a:schemeClr val="accent1">
+              <a:shade val="50000"/>
+            </a:schemeClr>
+          </a:lnRef>
+          <a:fillRef idx="1">
+            <a:schemeClr val="accent1"/>
+          </a:fillRef>
+          <a:effectRef idx="0">
+            <a:schemeClr val="accent1"/>
+          </a:effectRef>
+          <a:fontRef idx="minor">
+            <a:schemeClr val="lt1"/>
+          </a:fontRef>
+        </p:style>
+        <p:txBody>
+          <a:bodyPr rtlCol="0" anchor="ctr"/>
+          <a:lstStyle/>
+          <a:p>
+            <a:pPr algn="ctr"/>
+            <a:endParaRPr lang="en-GB"/>
+          </a:p>
+        </p:txBody>
+      </p:sp>
+    </p:spTree>
+    <p:extLst>
+      <p:ext uri="{BB962C8B-B14F-4D97-AF65-F5344CB8AC3E}">
+        <p14:creationId xmlns:p14="http://schemas.microsoft.com/office/powerpoint/2010/main" val="1946236560"/>
+      </p:ext>
+    </p:extLst>
+  </p:cSld>
+  <p:clrMapOvr>
+    <a:masterClrMapping/>
+  </p:clrMapOvr>
+</p:sld>
+</file>
+
+<file path=ppt/slides/slide16.xml><?xml version="1.0" encoding="utf-8"?>
+<p:sld xmlns:a="http://schemas.openxmlformats.org/drawingml/2006/main" xmlns:r="http://schemas.openxmlformats.org/officeDocument/2006/relationships" xmlns:p="http://schemas.openxmlformats.org/presentationml/2006/main">
+  <p:cSld>
+    <p:spTree>
+      <p:nvGrpSpPr>
+        <p:cNvPr id="1" name=""/>
+        <p:cNvGrpSpPr/>
+        <p:nvPr/>
+      </p:nvGrpSpPr>
+      <p:grpSpPr>
+        <a:xfrm>
+          <a:off x="0" y="0"/>
+          <a:ext cx="0" cy="0"/>
+          <a:chOff x="0" y="0"/>
+          <a:chExt cx="0" cy="0"/>
+        </a:xfrm>
+      </p:grpSpPr>
+      <p:sp>
+        <p:nvSpPr>
+          <p:cNvPr id="2" name="Tittel 1">
+            <a:extLst>
+              <a:ext uri="{FF2B5EF4-FFF2-40B4-BE49-F238E27FC236}">
                 <a16:creationId xmlns:a16="http://schemas.microsoft.com/office/drawing/2014/main" id="{4202A412-0DB3-4F74-BCAC-ACDA453D95B8}"/>
               </a:ext>
             </a:extLst>
@@ -7254,34 +7356,50 @@
         </p:nvSpPr>
         <p:spPr>
           <a:xfrm>
-            <a:off x="171451" y="2057400"/>
+            <a:off x="85726" y="1638300"/>
             <a:ext cx="6305550" cy="4657725"/>
           </a:xfrm>
         </p:spPr>
         <p:txBody>
           <a:bodyPr>
-            <a:normAutofit/>
+            <a:normAutofit fontScale="92500"/>
           </a:bodyPr>
           <a:lstStyle/>
           <a:p>
+            <a:pPr marL="0" indent="0">
+              <a:lnSpc>
+                <a:spcPct val="150000"/>
+              </a:lnSpc>
+              <a:buNone/>
+            </a:pPr>
             <a:endParaRPr lang="en-US" dirty="0"/>
           </a:p>
           <a:p>
+            <a:pPr>
+              <a:lnSpc>
+                <a:spcPct val="150000"/>
+              </a:lnSpc>
+            </a:pPr>
             <a:r>
               <a:rPr lang="en-US" dirty="0"/>
               <a:t>We established a GitHub repository to handle version control and manage collaboration. </a:t>
             </a:r>
           </a:p>
           <a:p>
-            <a:endParaRPr lang="en-US" dirty="0"/>
-          </a:p>
-          <a:p>
             <a:pPr marL="0" indent="0">
+              <a:lnSpc>
+                <a:spcPct val="150000"/>
+              </a:lnSpc>
               <a:buNone/>
             </a:pPr>
             <a:endParaRPr lang="en-US" dirty="0"/>
           </a:p>
           <a:p>
+            <a:pPr>
+              <a:lnSpc>
+                <a:spcPct val="150000"/>
+              </a:lnSpc>
+            </a:pPr>
             <a:r>
               <a:rPr lang="en-US" dirty="0"/>
               <a:t>We also used </a:t>
@@ -7297,6 +7415,11 @@
             <a:endParaRPr lang="nb-NO" dirty="0"/>
           </a:p>
           <a:p>
+            <a:pPr>
+              <a:lnSpc>
+                <a:spcPct val="150000"/>
+              </a:lnSpc>
+            </a:pPr>
             <a:endParaRPr lang="en-GB" dirty="0"/>
           </a:p>
         </p:txBody>
@@ -7344,7 +7467,7 @@
 </p:sld>
 </file>
 
-<file path=ppt/slides/slide16.xml><?xml version="1.0" encoding="utf-8"?>
+<file path=ppt/slides/slide17.xml><?xml version="1.0" encoding="utf-8"?>
 <p:sld xmlns:a="http://schemas.openxmlformats.org/drawingml/2006/main" xmlns:r="http://schemas.openxmlformats.org/officeDocument/2006/relationships" xmlns:p="http://schemas.openxmlformats.org/presentationml/2006/main">
   <p:cSld>
     <p:spTree>
@@ -7515,6 +7638,11 @@
           <a:bodyPr/>
           <a:lstStyle/>
           <a:p>
+            <a:pPr>
+              <a:lnSpc>
+                <a:spcPct val="150000"/>
+              </a:lnSpc>
+            </a:pPr>
             <a:r>
               <a:rPr lang="de-DE" dirty="0" err="1"/>
               <a:t>We</a:t>
@@ -7546,9 +7674,19 @@
             <a:endParaRPr lang="de-DE" dirty="0"/>
           </a:p>
           <a:p>
+            <a:pPr>
+              <a:lnSpc>
+                <a:spcPct val="150000"/>
+              </a:lnSpc>
+            </a:pPr>
             <a:endParaRPr lang="de-DE" dirty="0"/>
           </a:p>
           <a:p>
+            <a:pPr>
+              <a:lnSpc>
+                <a:spcPct val="150000"/>
+              </a:lnSpc>
+            </a:pPr>
             <a:r>
               <a:rPr lang="de-DE" dirty="0"/>
               <a:t>Go-</a:t>
@@ -7667,24 +7805,30 @@
             </a:r>
           </a:p>
           <a:p>
+            <a:pPr>
+              <a:lnSpc>
+                <a:spcPct val="150000"/>
+              </a:lnSpc>
+            </a:pPr>
             <a:endParaRPr lang="de-DE" dirty="0"/>
           </a:p>
           <a:p>
+            <a:pPr>
+              <a:lnSpc>
+                <a:spcPct val="150000"/>
+              </a:lnSpc>
+            </a:pPr>
+            <a:r>
+              <a:rPr lang="de-DE" dirty="0"/>
+              <a:t>A </a:t>
+            </a:r>
             <a:r>
               <a:rPr lang="de-DE" dirty="0" err="1"/>
-              <a:t>It</a:t>
+              <a:t>popular</a:t>
             </a:r>
             <a:r>
               <a:rPr lang="de-DE" dirty="0"/>
-              <a:t> </a:t>
-            </a:r>
-            <a:r>
-              <a:rPr lang="de-DE" dirty="0" err="1"/>
-              <a:t>is</a:t>
-            </a:r>
-            <a:r>
-              <a:rPr lang="de-DE" dirty="0"/>
-              <a:t> a Korean game</a:t>
+              <a:t> game in Korea</a:t>
             </a:r>
           </a:p>
         </p:txBody>
